--- a/material/figures/introduction/cqed/cqed.pptx
+++ b/material/figures/introduction/cqed/cqed.pptx
@@ -289,7 +289,7 @@
             <a:fld id="{E233F2FC-336D-4AEC-8E34-B26C5DCCE050}" type="datetimeFigureOut">
               <a:rPr lang="de-DE" smtClean="0"/>
               <a:pPr/>
-              <a:t>26.05.2012</a:t>
+              <a:t>12.07.2012</a:t>
             </a:fld>
             <a:endParaRPr lang="de-DE"/>
           </a:p>
@@ -456,7 +456,7 @@
             <a:fld id="{E233F2FC-336D-4AEC-8E34-B26C5DCCE050}" type="datetimeFigureOut">
               <a:rPr lang="de-DE" smtClean="0"/>
               <a:pPr/>
-              <a:t>26.05.2012</a:t>
+              <a:t>12.07.2012</a:t>
             </a:fld>
             <a:endParaRPr lang="de-DE"/>
           </a:p>
@@ -633,7 +633,7 @@
             <a:fld id="{E233F2FC-336D-4AEC-8E34-B26C5DCCE050}" type="datetimeFigureOut">
               <a:rPr lang="de-DE" smtClean="0"/>
               <a:pPr/>
-              <a:t>26.05.2012</a:t>
+              <a:t>12.07.2012</a:t>
             </a:fld>
             <a:endParaRPr lang="de-DE"/>
           </a:p>
@@ -800,7 +800,7 @@
             <a:fld id="{E233F2FC-336D-4AEC-8E34-B26C5DCCE050}" type="datetimeFigureOut">
               <a:rPr lang="de-DE" smtClean="0"/>
               <a:pPr/>
-              <a:t>26.05.2012</a:t>
+              <a:t>12.07.2012</a:t>
             </a:fld>
             <a:endParaRPr lang="de-DE"/>
           </a:p>
@@ -1043,7 +1043,7 @@
             <a:fld id="{E233F2FC-336D-4AEC-8E34-B26C5DCCE050}" type="datetimeFigureOut">
               <a:rPr lang="de-DE" smtClean="0"/>
               <a:pPr/>
-              <a:t>26.05.2012</a:t>
+              <a:t>12.07.2012</a:t>
             </a:fld>
             <a:endParaRPr lang="de-DE"/>
           </a:p>
@@ -1328,7 +1328,7 @@
             <a:fld id="{E233F2FC-336D-4AEC-8E34-B26C5DCCE050}" type="datetimeFigureOut">
               <a:rPr lang="de-DE" smtClean="0"/>
               <a:pPr/>
-              <a:t>26.05.2012</a:t>
+              <a:t>12.07.2012</a:t>
             </a:fld>
             <a:endParaRPr lang="de-DE"/>
           </a:p>
@@ -1747,7 +1747,7 @@
             <a:fld id="{E233F2FC-336D-4AEC-8E34-B26C5DCCE050}" type="datetimeFigureOut">
               <a:rPr lang="de-DE" smtClean="0"/>
               <a:pPr/>
-              <a:t>26.05.2012</a:t>
+              <a:t>12.07.2012</a:t>
             </a:fld>
             <a:endParaRPr lang="de-DE"/>
           </a:p>
@@ -1862,7 +1862,7 @@
             <a:fld id="{E233F2FC-336D-4AEC-8E34-B26C5DCCE050}" type="datetimeFigureOut">
               <a:rPr lang="de-DE" smtClean="0"/>
               <a:pPr/>
-              <a:t>26.05.2012</a:t>
+              <a:t>12.07.2012</a:t>
             </a:fld>
             <a:endParaRPr lang="de-DE"/>
           </a:p>
@@ -1954,7 +1954,7 @@
             <a:fld id="{E233F2FC-336D-4AEC-8E34-B26C5DCCE050}" type="datetimeFigureOut">
               <a:rPr lang="de-DE" smtClean="0"/>
               <a:pPr/>
-              <a:t>26.05.2012</a:t>
+              <a:t>12.07.2012</a:t>
             </a:fld>
             <a:endParaRPr lang="de-DE"/>
           </a:p>
@@ -2228,7 +2228,7 @@
             <a:fld id="{E233F2FC-336D-4AEC-8E34-B26C5DCCE050}" type="datetimeFigureOut">
               <a:rPr lang="de-DE" smtClean="0"/>
               <a:pPr/>
-              <a:t>26.05.2012</a:t>
+              <a:t>12.07.2012</a:t>
             </a:fld>
             <a:endParaRPr lang="de-DE"/>
           </a:p>
@@ -2478,7 +2478,7 @@
             <a:fld id="{E233F2FC-336D-4AEC-8E34-B26C5DCCE050}" type="datetimeFigureOut">
               <a:rPr lang="de-DE" smtClean="0"/>
               <a:pPr/>
-              <a:t>26.05.2012</a:t>
+              <a:t>12.07.2012</a:t>
             </a:fld>
             <a:endParaRPr lang="de-DE"/>
           </a:p>
@@ -2688,7 +2688,7 @@
             <a:fld id="{E233F2FC-336D-4AEC-8E34-B26C5DCCE050}" type="datetimeFigureOut">
               <a:rPr lang="de-DE" smtClean="0"/>
               <a:pPr/>
-              <a:t>26.05.2012</a:t>
+              <a:t>12.07.2012</a:t>
             </a:fld>
             <a:endParaRPr lang="de-DE"/>
           </a:p>
@@ -3067,7 +3067,7 @@
         </p:nvGrpSpPr>
         <p:grpSpPr>
           <a:xfrm rot="16200000">
-            <a:off x="5528091" y="4730517"/>
+            <a:off x="5528091" y="2790020"/>
             <a:ext cx="288032" cy="72008"/>
             <a:chOff x="4427984" y="3573016"/>
             <a:chExt cx="288032" cy="72008"/>
@@ -3152,7 +3152,7 @@
         </p:nvCxnSpPr>
         <p:spPr>
           <a:xfrm>
-            <a:off x="1913455" y="4753560"/>
+            <a:off x="1913455" y="2813063"/>
             <a:ext cx="0" cy="360040"/>
           </a:xfrm>
           <a:prstGeom prst="line">
@@ -3189,7 +3189,7 @@
         </p:nvCxnSpPr>
         <p:spPr>
           <a:xfrm>
-            <a:off x="1691680" y="5113600"/>
+            <a:off x="1691680" y="3173103"/>
             <a:ext cx="432048" cy="0"/>
           </a:xfrm>
           <a:prstGeom prst="line">
@@ -3224,7 +3224,7 @@
         </p:nvCxnSpPr>
         <p:spPr>
           <a:xfrm flipH="1">
-            <a:off x="1763688" y="5185608"/>
+            <a:off x="1763688" y="3245111"/>
             <a:ext cx="288032" cy="0"/>
           </a:xfrm>
           <a:prstGeom prst="line">
@@ -3259,7 +3259,7 @@
         </p:nvCxnSpPr>
         <p:spPr>
           <a:xfrm flipH="1">
-            <a:off x="1835696" y="5257616"/>
+            <a:off x="1835696" y="3317119"/>
             <a:ext cx="144016" cy="0"/>
           </a:xfrm>
           <a:prstGeom prst="line">
@@ -3294,10 +3294,10 @@
         </p:nvGrpSpPr>
         <p:grpSpPr>
           <a:xfrm>
-            <a:off x="2193606" y="4556051"/>
-            <a:ext cx="378630" cy="381782"/>
-            <a:chOff x="4849079" y="2111114"/>
-            <a:chExt cx="378630" cy="381782"/>
+            <a:off x="2182001" y="2615554"/>
+            <a:ext cx="401841" cy="381782"/>
+            <a:chOff x="4837474" y="2111114"/>
+            <a:chExt cx="401841" cy="381782"/>
           </a:xfrm>
         </p:grpSpPr>
         <p:sp>
@@ -3360,8 +3360,8 @@
           </p:nvSpPr>
           <p:spPr>
             <a:xfrm>
-              <a:off x="4849079" y="2111114"/>
-              <a:ext cx="378630" cy="338554"/>
+              <a:off x="4837474" y="2111114"/>
+              <a:ext cx="401841" cy="338554"/>
             </a:xfrm>
             <a:prstGeom prst="rect">
               <a:avLst/>
@@ -3378,7 +3378,7 @@
             <a:p>
               <a:pPr algn="ctr"/>
               <a:r>
-                <a:rPr lang="de-DE" sz="1600" i="1" dirty="0" err="1" smtClean="0">
+                <a:rPr lang="de-DE" sz="1600" i="1" dirty="0" smtClean="0">
                   <a:solidFill>
                     <a:schemeClr val="tx1"/>
                   </a:solidFill>
@@ -3388,14 +3388,11 @@
                 <a:t>V</a:t>
               </a:r>
               <a:r>
-                <a:rPr lang="de-DE" sz="1600" i="1" baseline="-25000" dirty="0" err="1" smtClean="0">
-                  <a:solidFill>
-                    <a:schemeClr val="tx1"/>
-                  </a:solidFill>
+                <a:rPr lang="de-DE" sz="1600" i="1" baseline="-25000" dirty="0" smtClean="0">
                   <a:latin typeface="Times New Roman" pitchFamily="18" charset="0"/>
                   <a:cs typeface="Times New Roman" pitchFamily="18" charset="0"/>
                 </a:rPr>
-                <a:t>g</a:t>
+                <a:t>in</a:t>
               </a:r>
               <a:endParaRPr lang="de-DE" sz="2400" i="1" baseline="-25000" dirty="0">
                 <a:solidFill>
@@ -3416,7 +3413,7 @@
         </p:nvCxnSpPr>
         <p:spPr>
           <a:xfrm>
-            <a:off x="5715622" y="4765062"/>
+            <a:off x="5715622" y="2824565"/>
             <a:ext cx="288032" cy="0"/>
           </a:xfrm>
           <a:prstGeom prst="line">
@@ -3451,7 +3448,7 @@
         </p:nvCxnSpPr>
         <p:spPr>
           <a:xfrm flipH="1">
-            <a:off x="1913455" y="4759311"/>
+            <a:off x="1913455" y="2818814"/>
             <a:ext cx="288032" cy="0"/>
           </a:xfrm>
           <a:prstGeom prst="line">
@@ -3486,8 +3483,8 @@
         </p:nvSpPr>
         <p:spPr>
           <a:xfrm>
-            <a:off x="5414046" y="4109010"/>
-            <a:ext cx="526106" cy="400110"/>
+            <a:off x="5414046" y="2168513"/>
+            <a:ext cx="441146" cy="400110"/>
           </a:xfrm>
           <a:prstGeom prst="rect">
             <a:avLst/>
@@ -3512,7 +3509,7 @@
                 <a:latin typeface="Times New Roman" pitchFamily="18" charset="0"/>
                 <a:cs typeface="Times New Roman" pitchFamily="18" charset="0"/>
               </a:rPr>
-              <a:t>gq</a:t>
+              <a:t>g</a:t>
             </a:r>
             <a:endParaRPr lang="de-DE" sz="2000" i="1" baseline="-25000" dirty="0">
               <a:latin typeface="Times New Roman" pitchFamily="18" charset="0"/>
@@ -3529,7 +3526,7 @@
         </p:nvCxnSpPr>
         <p:spPr>
           <a:xfrm flipH="1">
-            <a:off x="5495348" y="4761237"/>
+            <a:off x="5495348" y="2820740"/>
             <a:ext cx="127859" cy="0"/>
           </a:xfrm>
           <a:prstGeom prst="line">
@@ -3564,7 +3561,7 @@
         </p:nvSpPr>
         <p:spPr>
           <a:xfrm>
-            <a:off x="3129957" y="4653067"/>
+            <a:off x="3129957" y="2712570"/>
             <a:ext cx="127859" cy="216024"/>
           </a:xfrm>
           <a:prstGeom prst="ellipse">
@@ -3612,7 +3609,7 @@
         </p:nvCxnSpPr>
         <p:spPr>
           <a:xfrm>
-            <a:off x="3193556" y="4654055"/>
+            <a:off x="3193556" y="2713558"/>
             <a:ext cx="2237533" cy="0"/>
           </a:xfrm>
           <a:prstGeom prst="line">
@@ -3647,7 +3644,7 @@
         </p:nvCxnSpPr>
         <p:spPr>
           <a:xfrm>
-            <a:off x="3198563" y="4869160"/>
+            <a:off x="3198563" y="2928663"/>
             <a:ext cx="2237533" cy="0"/>
           </a:xfrm>
           <a:prstGeom prst="line">
@@ -3682,7 +3679,7 @@
         </p:nvSpPr>
         <p:spPr>
           <a:xfrm>
-            <a:off x="5312075" y="4649801"/>
+            <a:off x="5312075" y="2709304"/>
             <a:ext cx="192905" cy="219359"/>
           </a:xfrm>
           <a:prstGeom prst="arc">
@@ -3728,7 +3725,7 @@
         </p:nvCxnSpPr>
         <p:spPr>
           <a:xfrm>
-            <a:off x="3518463" y="4879710"/>
+            <a:off x="3518463" y="2939213"/>
             <a:ext cx="740" cy="251143"/>
           </a:xfrm>
           <a:prstGeom prst="line">
@@ -3763,7 +3760,7 @@
         </p:nvCxnSpPr>
         <p:spPr>
           <a:xfrm>
-            <a:off x="3321745" y="5130853"/>
+            <a:off x="3321745" y="3190356"/>
             <a:ext cx="383577" cy="0"/>
           </a:xfrm>
           <a:prstGeom prst="line">
@@ -3798,7 +3795,7 @@
         </p:nvCxnSpPr>
         <p:spPr>
           <a:xfrm>
-            <a:off x="3385675" y="5202861"/>
+            <a:off x="3385675" y="3262364"/>
             <a:ext cx="255718" cy="0"/>
           </a:xfrm>
           <a:prstGeom prst="line">
@@ -3833,7 +3830,7 @@
         </p:nvCxnSpPr>
         <p:spPr>
           <a:xfrm>
-            <a:off x="3449604" y="5274869"/>
+            <a:off x="3449604" y="3334372"/>
             <a:ext cx="127859" cy="0"/>
           </a:xfrm>
           <a:prstGeom prst="line">
@@ -3868,7 +3865,7 @@
         </p:nvCxnSpPr>
         <p:spPr>
           <a:xfrm flipH="1">
-            <a:off x="2933583" y="4756071"/>
+            <a:off x="2933583" y="2815574"/>
             <a:ext cx="255717" cy="0"/>
           </a:xfrm>
           <a:prstGeom prst="line">
@@ -3903,7 +3900,7 @@
         </p:nvGrpSpPr>
         <p:grpSpPr>
           <a:xfrm rot="16200000">
-            <a:off x="2753899" y="4719925"/>
+            <a:off x="2753899" y="2779428"/>
             <a:ext cx="288032" cy="72008"/>
             <a:chOff x="4427984" y="3573016"/>
             <a:chExt cx="288032" cy="72008"/>
@@ -3988,7 +3985,7 @@
         </p:nvCxnSpPr>
         <p:spPr>
           <a:xfrm>
-            <a:off x="2570274" y="4756315"/>
+            <a:off x="2570274" y="2815818"/>
             <a:ext cx="288032" cy="0"/>
           </a:xfrm>
           <a:prstGeom prst="line">
@@ -4023,8 +4020,8 @@
         </p:nvSpPr>
         <p:spPr>
           <a:xfrm>
-            <a:off x="2628738" y="4086006"/>
-            <a:ext cx="441146" cy="400110"/>
+            <a:off x="2628738" y="2145509"/>
+            <a:ext cx="489236" cy="400110"/>
           </a:xfrm>
           <a:prstGeom prst="rect">
             <a:avLst/>
@@ -4049,7 +4046,7 @@
                 <a:latin typeface="Times New Roman" pitchFamily="18" charset="0"/>
                 <a:cs typeface="Times New Roman" pitchFamily="18" charset="0"/>
               </a:rPr>
-              <a:t>g</a:t>
+              <a:t>in</a:t>
             </a:r>
             <a:endParaRPr lang="de-DE" sz="2000" i="1" baseline="-25000" dirty="0">
               <a:latin typeface="Times New Roman" pitchFamily="18" charset="0"/>
@@ -4066,7 +4063,7 @@
         </p:nvCxnSpPr>
         <p:spPr>
           <a:xfrm>
-            <a:off x="7069276" y="4768058"/>
+            <a:off x="7069276" y="2827561"/>
             <a:ext cx="0" cy="360040"/>
           </a:xfrm>
           <a:prstGeom prst="line">
@@ -4103,7 +4100,7 @@
         </p:nvCxnSpPr>
         <p:spPr>
           <a:xfrm>
-            <a:off x="6847501" y="5128098"/>
+            <a:off x="6847501" y="3187601"/>
             <a:ext cx="432048" cy="0"/>
           </a:xfrm>
           <a:prstGeom prst="line">
@@ -4138,7 +4135,7 @@
         </p:nvCxnSpPr>
         <p:spPr>
           <a:xfrm flipH="1">
-            <a:off x="6919509" y="5200106"/>
+            <a:off x="6919509" y="3259609"/>
             <a:ext cx="288032" cy="0"/>
           </a:xfrm>
           <a:prstGeom prst="line">
@@ -4173,7 +4170,7 @@
         </p:nvCxnSpPr>
         <p:spPr>
           <a:xfrm flipH="1">
-            <a:off x="6991517" y="5272114"/>
+            <a:off x="6991517" y="3331617"/>
             <a:ext cx="144016" cy="0"/>
           </a:xfrm>
           <a:prstGeom prst="line">
@@ -4208,7 +4205,7 @@
         </p:nvGrpSpPr>
         <p:grpSpPr>
           <a:xfrm rot="16200000">
-            <a:off x="5517266" y="4430567"/>
+            <a:off x="5517266" y="2490070"/>
             <a:ext cx="2056293" cy="1061274"/>
             <a:chOff x="4850262" y="3861048"/>
             <a:chExt cx="2056293" cy="1061274"/>
@@ -4789,7 +4786,7 @@
         </p:blipFill>
         <p:spPr bwMode="auto">
           <a:xfrm rot="10800000">
-            <a:off x="1855011" y="2849218"/>
+            <a:off x="1855011" y="908721"/>
             <a:ext cx="2478545" cy="1008113"/>
           </a:xfrm>
           <a:prstGeom prst="rect">
@@ -4821,7 +4818,7 @@
         </p:blipFill>
         <p:spPr bwMode="auto">
           <a:xfrm>
-            <a:off x="4379534" y="2849220"/>
+            <a:off x="4379534" y="908723"/>
             <a:ext cx="1488610" cy="1011828"/>
           </a:xfrm>
           <a:prstGeom prst="rect">
@@ -4853,7 +4850,7 @@
         </p:blipFill>
         <p:spPr bwMode="auto">
           <a:xfrm>
-            <a:off x="5963710" y="2849220"/>
+            <a:off x="5963710" y="908723"/>
             <a:ext cx="1344594" cy="1008112"/>
           </a:xfrm>
           <a:prstGeom prst="rect">
@@ -4862,6 +4859,3238 @@
           <a:noFill/>
         </p:spPr>
       </p:pic>
+      <p:cxnSp>
+        <p:nvCxnSpPr>
+          <p:cNvPr id="55" name="Gerade Verbindung 54"/>
+          <p:cNvCxnSpPr/>
+          <p:nvPr/>
+        </p:nvCxnSpPr>
+        <p:spPr>
+          <a:xfrm>
+            <a:off x="5580112" y="2825765"/>
+            <a:ext cx="0" cy="576064"/>
+          </a:xfrm>
+          <a:prstGeom prst="line">
+            <a:avLst/>
+          </a:prstGeom>
+          <a:ln w="19050">
+            <a:solidFill>
+              <a:schemeClr val="tx1"/>
+            </a:solidFill>
+            <a:prstDash val="sysDash"/>
+          </a:ln>
+        </p:spPr>
+        <p:style>
+          <a:lnRef idx="1">
+            <a:schemeClr val="accent1"/>
+          </a:lnRef>
+          <a:fillRef idx="0">
+            <a:schemeClr val="accent1"/>
+          </a:fillRef>
+          <a:effectRef idx="0">
+            <a:schemeClr val="accent1"/>
+          </a:effectRef>
+          <a:fontRef idx="minor">
+            <a:schemeClr val="tx1"/>
+          </a:fontRef>
+        </p:style>
+      </p:cxnSp>
+      <p:sp>
+        <p:nvSpPr>
+          <p:cNvPr id="56" name="Ellipse 55"/>
+          <p:cNvSpPr/>
+          <p:nvPr/>
+        </p:nvSpPr>
+        <p:spPr>
+          <a:xfrm>
+            <a:off x="5543044" y="3391601"/>
+            <a:ext cx="72008" cy="72008"/>
+          </a:xfrm>
+          <a:prstGeom prst="ellipse">
+            <a:avLst/>
+          </a:prstGeom>
+          <a:noFill/>
+          <a:ln w="19050">
+            <a:solidFill>
+              <a:schemeClr val="tx1"/>
+            </a:solidFill>
+            <a:prstDash val="solid"/>
+          </a:ln>
+        </p:spPr>
+        <p:style>
+          <a:lnRef idx="2">
+            <a:schemeClr val="accent1">
+              <a:shade val="50000"/>
+            </a:schemeClr>
+          </a:lnRef>
+          <a:fillRef idx="1">
+            <a:schemeClr val="accent1"/>
+          </a:fillRef>
+          <a:effectRef idx="0">
+            <a:schemeClr val="accent1"/>
+          </a:effectRef>
+          <a:fontRef idx="minor">
+            <a:schemeClr val="lt1"/>
+          </a:fontRef>
+        </p:style>
+        <p:txBody>
+          <a:bodyPr rtlCol="0" anchor="ctr"/>
+          <a:lstStyle/>
+          <a:p>
+            <a:pPr algn="ctr"/>
+            <a:endParaRPr lang="de-DE"/>
+          </a:p>
+        </p:txBody>
+      </p:sp>
+      <p:sp>
+        <p:nvSpPr>
+          <p:cNvPr id="57" name="Textfeld 56"/>
+          <p:cNvSpPr txBox="1"/>
+          <p:nvPr/>
+        </p:nvSpPr>
+        <p:spPr>
+          <a:xfrm>
+            <a:off x="5479342" y="3514081"/>
+            <a:ext cx="426720" cy="400110"/>
+          </a:xfrm>
+          <a:prstGeom prst="rect">
+            <a:avLst/>
+          </a:prstGeom>
+          <a:noFill/>
+        </p:spPr>
+        <p:txBody>
+          <a:bodyPr wrap="none" rtlCol="0">
+            <a:spAutoFit/>
+          </a:bodyPr>
+          <a:lstStyle/>
+          <a:p>
+            <a:r>
+              <a:rPr lang="de-DE" sz="2000" i="1" dirty="0" err="1" smtClean="0">
+                <a:latin typeface="Times New Roman" pitchFamily="18" charset="0"/>
+                <a:cs typeface="Times New Roman" pitchFamily="18" charset="0"/>
+              </a:rPr>
+              <a:t>V</a:t>
+            </a:r>
+            <a:r>
+              <a:rPr lang="de-DE" sz="2000" i="1" baseline="-25000" dirty="0" err="1" smtClean="0">
+                <a:latin typeface="Times New Roman" pitchFamily="18" charset="0"/>
+                <a:cs typeface="Times New Roman" pitchFamily="18" charset="0"/>
+              </a:rPr>
+              <a:t>g</a:t>
+            </a:r>
+            <a:endParaRPr lang="de-DE" sz="2000" i="1" baseline="-25000" dirty="0">
+              <a:latin typeface="Times New Roman" pitchFamily="18" charset="0"/>
+              <a:cs typeface="Times New Roman" pitchFamily="18" charset="0"/>
+            </a:endParaRPr>
+          </a:p>
+        </p:txBody>
+      </p:sp>
+      <p:cxnSp>
+        <p:nvCxnSpPr>
+          <p:cNvPr id="62" name="Gerade Verbindung 61"/>
+          <p:cNvCxnSpPr/>
+          <p:nvPr/>
+        </p:nvCxnSpPr>
+        <p:spPr>
+          <a:xfrm>
+            <a:off x="5789958" y="2825765"/>
+            <a:ext cx="0" cy="576064"/>
+          </a:xfrm>
+          <a:prstGeom prst="line">
+            <a:avLst/>
+          </a:prstGeom>
+          <a:ln w="19050">
+            <a:solidFill>
+              <a:schemeClr val="tx1"/>
+            </a:solidFill>
+            <a:prstDash val="sysDash"/>
+          </a:ln>
+        </p:spPr>
+        <p:style>
+          <a:lnRef idx="1">
+            <a:schemeClr val="accent1"/>
+          </a:lnRef>
+          <a:fillRef idx="0">
+            <a:schemeClr val="accent1"/>
+          </a:fillRef>
+          <a:effectRef idx="0">
+            <a:schemeClr val="accent1"/>
+          </a:effectRef>
+          <a:fontRef idx="minor">
+            <a:schemeClr val="tx1"/>
+          </a:fontRef>
+        </p:style>
+      </p:cxnSp>
+      <p:sp>
+        <p:nvSpPr>
+          <p:cNvPr id="63" name="Ellipse 62"/>
+          <p:cNvSpPr/>
+          <p:nvPr/>
+        </p:nvSpPr>
+        <p:spPr>
+          <a:xfrm>
+            <a:off x="5752890" y="3391601"/>
+            <a:ext cx="72008" cy="72008"/>
+          </a:xfrm>
+          <a:prstGeom prst="ellipse">
+            <a:avLst/>
+          </a:prstGeom>
+          <a:noFill/>
+          <a:ln w="19050">
+            <a:solidFill>
+              <a:schemeClr val="tx1"/>
+            </a:solidFill>
+            <a:prstDash val="solid"/>
+          </a:ln>
+        </p:spPr>
+        <p:style>
+          <a:lnRef idx="2">
+            <a:schemeClr val="accent1">
+              <a:shade val="50000"/>
+            </a:schemeClr>
+          </a:lnRef>
+          <a:fillRef idx="1">
+            <a:schemeClr val="accent1"/>
+          </a:fillRef>
+          <a:effectRef idx="0">
+            <a:schemeClr val="accent1"/>
+          </a:effectRef>
+          <a:fontRef idx="minor">
+            <a:schemeClr val="lt1"/>
+          </a:fontRef>
+        </p:style>
+        <p:txBody>
+          <a:bodyPr rtlCol="0" anchor="ctr"/>
+          <a:lstStyle/>
+          <a:p>
+            <a:pPr algn="ctr"/>
+            <a:endParaRPr lang="de-DE"/>
+          </a:p>
+        </p:txBody>
+      </p:sp>
+      <p:cxnSp>
+        <p:nvCxnSpPr>
+          <p:cNvPr id="66" name="Gerade Verbindung mit Pfeil 65"/>
+          <p:cNvCxnSpPr/>
+          <p:nvPr/>
+        </p:nvCxnSpPr>
+        <p:spPr>
+          <a:xfrm>
+            <a:off x="5555400" y="3547973"/>
+            <a:ext cx="288032" cy="0"/>
+          </a:xfrm>
+          <a:prstGeom prst="straightConnector1">
+            <a:avLst/>
+          </a:prstGeom>
+          <a:ln>
+            <a:solidFill>
+              <a:schemeClr val="tx1"/>
+            </a:solidFill>
+            <a:headEnd type="none" w="med" len="med"/>
+            <a:tailEnd type="triangle" w="med" len="med"/>
+          </a:ln>
+        </p:spPr>
+        <p:style>
+          <a:lnRef idx="1">
+            <a:schemeClr val="accent1"/>
+          </a:lnRef>
+          <a:fillRef idx="0">
+            <a:schemeClr val="accent1"/>
+          </a:fillRef>
+          <a:effectRef idx="0">
+            <a:schemeClr val="accent1"/>
+          </a:effectRef>
+          <a:fontRef idx="minor">
+            <a:schemeClr val="tx1"/>
+          </a:fontRef>
+        </p:style>
+      </p:cxnSp>
+      <p:cxnSp>
+        <p:nvCxnSpPr>
+          <p:cNvPr id="72" name="Gerade Verbindung 71"/>
+          <p:cNvCxnSpPr/>
+          <p:nvPr/>
+        </p:nvCxnSpPr>
+        <p:spPr>
+          <a:xfrm>
+            <a:off x="3275856" y="4797152"/>
+            <a:ext cx="1512168" cy="0"/>
+          </a:xfrm>
+          <a:prstGeom prst="line">
+            <a:avLst/>
+          </a:prstGeom>
+          <a:ln w="19050">
+            <a:solidFill>
+              <a:schemeClr val="tx1"/>
+            </a:solidFill>
+          </a:ln>
+        </p:spPr>
+        <p:style>
+          <a:lnRef idx="1">
+            <a:schemeClr val="accent1"/>
+          </a:lnRef>
+          <a:fillRef idx="0">
+            <a:schemeClr val="accent1"/>
+          </a:fillRef>
+          <a:effectRef idx="0">
+            <a:schemeClr val="accent1"/>
+          </a:effectRef>
+          <a:fontRef idx="minor">
+            <a:schemeClr val="tx1"/>
+          </a:fontRef>
+        </p:style>
+      </p:cxnSp>
+      <p:sp>
+        <p:nvSpPr>
+          <p:cNvPr id="77" name="Rechteck 76"/>
+          <p:cNvSpPr/>
+          <p:nvPr/>
+        </p:nvSpPr>
+        <p:spPr>
+          <a:xfrm>
+            <a:off x="3598828" y="4653136"/>
+            <a:ext cx="72008" cy="288032"/>
+          </a:xfrm>
+          <a:prstGeom prst="rect">
+            <a:avLst/>
+          </a:prstGeom>
+          <a:solidFill>
+            <a:schemeClr val="bg1"/>
+          </a:solidFill>
+          <a:ln>
+            <a:noFill/>
+          </a:ln>
+        </p:spPr>
+        <p:style>
+          <a:lnRef idx="2">
+            <a:schemeClr val="accent1">
+              <a:shade val="50000"/>
+            </a:schemeClr>
+          </a:lnRef>
+          <a:fillRef idx="1">
+            <a:schemeClr val="accent1"/>
+          </a:fillRef>
+          <a:effectRef idx="0">
+            <a:schemeClr val="accent1"/>
+          </a:effectRef>
+          <a:fontRef idx="minor">
+            <a:schemeClr val="lt1"/>
+          </a:fontRef>
+        </p:style>
+        <p:txBody>
+          <a:bodyPr rtlCol="0" anchor="ctr"/>
+          <a:lstStyle/>
+          <a:p>
+            <a:pPr algn="ctr"/>
+            <a:endParaRPr lang="de-DE"/>
+          </a:p>
+        </p:txBody>
+      </p:sp>
+      <p:sp>
+        <p:nvSpPr>
+          <p:cNvPr id="78" name="Rechteck 77"/>
+          <p:cNvSpPr/>
+          <p:nvPr/>
+        </p:nvSpPr>
+        <p:spPr>
+          <a:xfrm>
+            <a:off x="3707904" y="5301208"/>
+            <a:ext cx="576064" cy="576064"/>
+          </a:xfrm>
+          <a:prstGeom prst="rect">
+            <a:avLst/>
+          </a:prstGeom>
+          <a:noFill/>
+          <a:ln w="19050">
+            <a:solidFill>
+              <a:schemeClr val="tx1"/>
+            </a:solidFill>
+          </a:ln>
+        </p:spPr>
+        <p:style>
+          <a:lnRef idx="2">
+            <a:schemeClr val="accent1">
+              <a:shade val="50000"/>
+            </a:schemeClr>
+          </a:lnRef>
+          <a:fillRef idx="1">
+            <a:schemeClr val="accent1"/>
+          </a:fillRef>
+          <a:effectRef idx="0">
+            <a:schemeClr val="accent1"/>
+          </a:effectRef>
+          <a:fontRef idx="minor">
+            <a:schemeClr val="lt1"/>
+          </a:fontRef>
+        </p:style>
+        <p:txBody>
+          <a:bodyPr rtlCol="0" anchor="ctr"/>
+          <a:lstStyle/>
+          <a:p>
+            <a:pPr algn="ctr"/>
+            <a:endParaRPr lang="de-DE"/>
+          </a:p>
+        </p:txBody>
+      </p:sp>
+      <p:sp>
+        <p:nvSpPr>
+          <p:cNvPr id="79" name="Rechteck 78"/>
+          <p:cNvSpPr/>
+          <p:nvPr/>
+        </p:nvSpPr>
+        <p:spPr>
+          <a:xfrm>
+            <a:off x="3563888" y="5540848"/>
+            <a:ext cx="288032" cy="126577"/>
+          </a:xfrm>
+          <a:prstGeom prst="rect">
+            <a:avLst/>
+          </a:prstGeom>
+          <a:solidFill>
+            <a:schemeClr val="bg1"/>
+          </a:solidFill>
+          <a:ln>
+            <a:noFill/>
+          </a:ln>
+        </p:spPr>
+        <p:style>
+          <a:lnRef idx="2">
+            <a:schemeClr val="accent1">
+              <a:shade val="50000"/>
+            </a:schemeClr>
+          </a:lnRef>
+          <a:fillRef idx="1">
+            <a:schemeClr val="accent1"/>
+          </a:fillRef>
+          <a:effectRef idx="0">
+            <a:schemeClr val="accent1"/>
+          </a:effectRef>
+          <a:fontRef idx="minor">
+            <a:schemeClr val="lt1"/>
+          </a:fontRef>
+        </p:style>
+        <p:txBody>
+          <a:bodyPr rtlCol="0" anchor="ctr"/>
+          <a:lstStyle/>
+          <a:p>
+            <a:pPr algn="ctr"/>
+            <a:endParaRPr lang="de-DE"/>
+          </a:p>
+        </p:txBody>
+      </p:sp>
+      <p:cxnSp>
+        <p:nvCxnSpPr>
+          <p:cNvPr id="80" name="Gerade Verbindung 79"/>
+          <p:cNvCxnSpPr/>
+          <p:nvPr/>
+        </p:nvCxnSpPr>
+        <p:spPr>
+          <a:xfrm>
+            <a:off x="5724128" y="4941168"/>
+            <a:ext cx="0" cy="360040"/>
+          </a:xfrm>
+          <a:prstGeom prst="line">
+            <a:avLst/>
+          </a:prstGeom>
+          <a:ln w="19050">
+            <a:solidFill>
+              <a:schemeClr val="tx1"/>
+            </a:solidFill>
+            <a:tailEnd type="oval"/>
+          </a:ln>
+        </p:spPr>
+        <p:style>
+          <a:lnRef idx="1">
+            <a:schemeClr val="accent1"/>
+          </a:lnRef>
+          <a:fillRef idx="0">
+            <a:schemeClr val="accent1"/>
+          </a:fillRef>
+          <a:effectRef idx="0">
+            <a:schemeClr val="accent1"/>
+          </a:effectRef>
+          <a:fontRef idx="minor">
+            <a:schemeClr val="tx1"/>
+          </a:fontRef>
+        </p:style>
+      </p:cxnSp>
+      <p:sp>
+        <p:nvSpPr>
+          <p:cNvPr id="81" name="Rechteck 80"/>
+          <p:cNvSpPr/>
+          <p:nvPr/>
+        </p:nvSpPr>
+        <p:spPr>
+          <a:xfrm>
+            <a:off x="5436096" y="5301208"/>
+            <a:ext cx="576064" cy="576064"/>
+          </a:xfrm>
+          <a:prstGeom prst="rect">
+            <a:avLst/>
+          </a:prstGeom>
+          <a:noFill/>
+          <a:ln w="19050">
+            <a:solidFill>
+              <a:schemeClr val="tx1"/>
+            </a:solidFill>
+          </a:ln>
+        </p:spPr>
+        <p:style>
+          <a:lnRef idx="2">
+            <a:schemeClr val="accent1">
+              <a:shade val="50000"/>
+            </a:schemeClr>
+          </a:lnRef>
+          <a:fillRef idx="1">
+            <a:schemeClr val="accent1"/>
+          </a:fillRef>
+          <a:effectRef idx="0">
+            <a:schemeClr val="accent1"/>
+          </a:effectRef>
+          <a:fontRef idx="minor">
+            <a:schemeClr val="lt1"/>
+          </a:fontRef>
+        </p:style>
+        <p:txBody>
+          <a:bodyPr rtlCol="0" anchor="ctr"/>
+          <a:lstStyle/>
+          <a:p>
+            <a:pPr algn="ctr"/>
+            <a:endParaRPr lang="de-DE"/>
+          </a:p>
+        </p:txBody>
+      </p:sp>
+      <p:cxnSp>
+        <p:nvCxnSpPr>
+          <p:cNvPr id="82" name="Gerade Verbindung 81"/>
+          <p:cNvCxnSpPr>
+            <a:stCxn id="81" idx="2"/>
+          </p:cNvCxnSpPr>
+          <p:nvPr/>
+        </p:nvCxnSpPr>
+        <p:spPr>
+          <a:xfrm>
+            <a:off x="5724128" y="5877272"/>
+            <a:ext cx="0" cy="360040"/>
+          </a:xfrm>
+          <a:prstGeom prst="line">
+            <a:avLst/>
+          </a:prstGeom>
+          <a:ln w="19050">
+            <a:solidFill>
+              <a:schemeClr val="tx1"/>
+            </a:solidFill>
+            <a:headEnd type="oval" w="med" len="med"/>
+            <a:tailEnd type="none" w="med" len="med"/>
+          </a:ln>
+        </p:spPr>
+        <p:style>
+          <a:lnRef idx="1">
+            <a:schemeClr val="accent1"/>
+          </a:lnRef>
+          <a:fillRef idx="0">
+            <a:schemeClr val="accent1"/>
+          </a:fillRef>
+          <a:effectRef idx="0">
+            <a:schemeClr val="accent1"/>
+          </a:effectRef>
+          <a:fontRef idx="minor">
+            <a:schemeClr val="tx1"/>
+          </a:fontRef>
+        </p:style>
+      </p:cxnSp>
+      <p:grpSp>
+        <p:nvGrpSpPr>
+          <p:cNvPr id="83" name="Gruppieren 82"/>
+          <p:cNvGrpSpPr/>
+          <p:nvPr/>
+        </p:nvGrpSpPr>
+        <p:grpSpPr>
+          <a:xfrm>
+            <a:off x="5904004" y="5481084"/>
+            <a:ext cx="216024" cy="216024"/>
+            <a:chOff x="2771800" y="2348880"/>
+            <a:chExt cx="288032" cy="288032"/>
+          </a:xfrm>
+        </p:grpSpPr>
+        <p:cxnSp>
+          <p:nvCxnSpPr>
+            <p:cNvPr id="84" name="Gerade Verbindung 83"/>
+            <p:cNvCxnSpPr/>
+            <p:nvPr/>
+          </p:nvCxnSpPr>
+          <p:spPr>
+            <a:xfrm>
+              <a:off x="2771800" y="2348880"/>
+              <a:ext cx="288032" cy="288032"/>
+            </a:xfrm>
+            <a:prstGeom prst="line">
+              <a:avLst/>
+            </a:prstGeom>
+            <a:ln w="19050">
+              <a:solidFill>
+                <a:schemeClr val="tx1"/>
+              </a:solidFill>
+            </a:ln>
+          </p:spPr>
+          <p:style>
+            <a:lnRef idx="1">
+              <a:schemeClr val="accent1"/>
+            </a:lnRef>
+            <a:fillRef idx="0">
+              <a:schemeClr val="accent1"/>
+            </a:fillRef>
+            <a:effectRef idx="0">
+              <a:schemeClr val="accent1"/>
+            </a:effectRef>
+            <a:fontRef idx="minor">
+              <a:schemeClr val="tx1"/>
+            </a:fontRef>
+          </p:style>
+        </p:cxnSp>
+        <p:cxnSp>
+          <p:nvCxnSpPr>
+            <p:cNvPr id="85" name="Gerade Verbindung 84"/>
+            <p:cNvCxnSpPr/>
+            <p:nvPr/>
+          </p:nvCxnSpPr>
+          <p:spPr>
+            <a:xfrm flipV="1">
+              <a:off x="2771800" y="2348880"/>
+              <a:ext cx="288032" cy="288032"/>
+            </a:xfrm>
+            <a:prstGeom prst="line">
+              <a:avLst/>
+            </a:prstGeom>
+            <a:ln w="19050">
+              <a:solidFill>
+                <a:schemeClr val="tx1"/>
+              </a:solidFill>
+            </a:ln>
+          </p:spPr>
+          <p:style>
+            <a:lnRef idx="1">
+              <a:schemeClr val="accent1"/>
+            </a:lnRef>
+            <a:fillRef idx="0">
+              <a:schemeClr val="accent1"/>
+            </a:fillRef>
+            <a:effectRef idx="0">
+              <a:schemeClr val="accent1"/>
+            </a:effectRef>
+            <a:fontRef idx="minor">
+              <a:schemeClr val="tx1"/>
+            </a:fontRef>
+          </p:style>
+        </p:cxnSp>
+      </p:grpSp>
+      <p:grpSp>
+        <p:nvGrpSpPr>
+          <p:cNvPr id="86" name="Gruppieren 85"/>
+          <p:cNvGrpSpPr/>
+          <p:nvPr/>
+        </p:nvGrpSpPr>
+        <p:grpSpPr>
+          <a:xfrm>
+            <a:off x="5327940" y="5481084"/>
+            <a:ext cx="216024" cy="216024"/>
+            <a:chOff x="2771800" y="2348880"/>
+            <a:chExt cx="288032" cy="288032"/>
+          </a:xfrm>
+        </p:grpSpPr>
+        <p:cxnSp>
+          <p:nvCxnSpPr>
+            <p:cNvPr id="87" name="Gerade Verbindung 86"/>
+            <p:cNvCxnSpPr/>
+            <p:nvPr/>
+          </p:nvCxnSpPr>
+          <p:spPr>
+            <a:xfrm>
+              <a:off x="2771800" y="2348880"/>
+              <a:ext cx="288032" cy="288032"/>
+            </a:xfrm>
+            <a:prstGeom prst="line">
+              <a:avLst/>
+            </a:prstGeom>
+            <a:ln w="19050">
+              <a:solidFill>
+                <a:schemeClr val="tx1"/>
+              </a:solidFill>
+            </a:ln>
+          </p:spPr>
+          <p:style>
+            <a:lnRef idx="1">
+              <a:schemeClr val="accent1"/>
+            </a:lnRef>
+            <a:fillRef idx="0">
+              <a:schemeClr val="accent1"/>
+            </a:fillRef>
+            <a:effectRef idx="0">
+              <a:schemeClr val="accent1"/>
+            </a:effectRef>
+            <a:fontRef idx="minor">
+              <a:schemeClr val="tx1"/>
+            </a:fontRef>
+          </p:style>
+        </p:cxnSp>
+        <p:cxnSp>
+          <p:nvCxnSpPr>
+            <p:cNvPr id="105" name="Gerade Verbindung 104"/>
+            <p:cNvCxnSpPr/>
+            <p:nvPr/>
+          </p:nvCxnSpPr>
+          <p:spPr>
+            <a:xfrm flipV="1">
+              <a:off x="2771800" y="2348880"/>
+              <a:ext cx="288032" cy="288032"/>
+            </a:xfrm>
+            <a:prstGeom prst="line">
+              <a:avLst/>
+            </a:prstGeom>
+            <a:ln w="19050">
+              <a:solidFill>
+                <a:schemeClr val="tx1"/>
+              </a:solidFill>
+            </a:ln>
+          </p:spPr>
+          <p:style>
+            <a:lnRef idx="1">
+              <a:schemeClr val="accent1"/>
+            </a:lnRef>
+            <a:fillRef idx="0">
+              <a:schemeClr val="accent1"/>
+            </a:fillRef>
+            <a:effectRef idx="0">
+              <a:schemeClr val="accent1"/>
+            </a:effectRef>
+            <a:fontRef idx="minor">
+              <a:schemeClr val="tx1"/>
+            </a:fontRef>
+          </p:style>
+        </p:cxnSp>
+      </p:grpSp>
+      <p:grpSp>
+        <p:nvGrpSpPr>
+          <p:cNvPr id="106" name="Gruppieren 105"/>
+          <p:cNvGrpSpPr/>
+          <p:nvPr/>
+        </p:nvGrpSpPr>
+        <p:grpSpPr>
+          <a:xfrm rot="5400000">
+            <a:off x="4680012" y="4761148"/>
+            <a:ext cx="288032" cy="72008"/>
+            <a:chOff x="4644008" y="1844824"/>
+            <a:chExt cx="288032" cy="72008"/>
+          </a:xfrm>
+        </p:grpSpPr>
+        <p:cxnSp>
+          <p:nvCxnSpPr>
+            <p:cNvPr id="107" name="Gerade Verbindung 106"/>
+            <p:cNvCxnSpPr/>
+            <p:nvPr/>
+          </p:nvCxnSpPr>
+          <p:spPr>
+            <a:xfrm>
+              <a:off x="4644008" y="1916832"/>
+              <a:ext cx="288032" cy="0"/>
+            </a:xfrm>
+            <a:prstGeom prst="line">
+              <a:avLst/>
+            </a:prstGeom>
+            <a:ln w="19050">
+              <a:solidFill>
+                <a:schemeClr val="tx1"/>
+              </a:solidFill>
+            </a:ln>
+          </p:spPr>
+          <p:style>
+            <a:lnRef idx="1">
+              <a:schemeClr val="accent1"/>
+            </a:lnRef>
+            <a:fillRef idx="0">
+              <a:schemeClr val="accent1"/>
+            </a:fillRef>
+            <a:effectRef idx="0">
+              <a:schemeClr val="accent1"/>
+            </a:effectRef>
+            <a:fontRef idx="minor">
+              <a:schemeClr val="tx1"/>
+            </a:fontRef>
+          </p:style>
+        </p:cxnSp>
+        <p:cxnSp>
+          <p:nvCxnSpPr>
+            <p:cNvPr id="108" name="Gerade Verbindung 107"/>
+            <p:cNvCxnSpPr/>
+            <p:nvPr/>
+          </p:nvCxnSpPr>
+          <p:spPr>
+            <a:xfrm>
+              <a:off x="4644008" y="1844824"/>
+              <a:ext cx="288032" cy="0"/>
+            </a:xfrm>
+            <a:prstGeom prst="line">
+              <a:avLst/>
+            </a:prstGeom>
+            <a:ln w="19050">
+              <a:solidFill>
+                <a:schemeClr val="tx1"/>
+              </a:solidFill>
+            </a:ln>
+          </p:spPr>
+          <p:style>
+            <a:lnRef idx="1">
+              <a:schemeClr val="accent1"/>
+            </a:lnRef>
+            <a:fillRef idx="0">
+              <a:schemeClr val="accent1"/>
+            </a:fillRef>
+            <a:effectRef idx="0">
+              <a:schemeClr val="accent1"/>
+            </a:effectRef>
+            <a:fontRef idx="minor">
+              <a:schemeClr val="tx1"/>
+            </a:fontRef>
+          </p:style>
+        </p:cxnSp>
+      </p:grpSp>
+      <p:cxnSp>
+        <p:nvCxnSpPr>
+          <p:cNvPr id="109" name="Gerade Verbindung 108"/>
+          <p:cNvCxnSpPr/>
+          <p:nvPr/>
+        </p:nvCxnSpPr>
+        <p:spPr>
+          <a:xfrm>
+            <a:off x="7099260" y="4797152"/>
+            <a:ext cx="8965" cy="1440160"/>
+          </a:xfrm>
+          <a:prstGeom prst="line">
+            <a:avLst/>
+          </a:prstGeom>
+          <a:ln w="19050">
+            <a:solidFill>
+              <a:schemeClr val="tx1"/>
+            </a:solidFill>
+            <a:headEnd type="none" w="med" len="med"/>
+            <a:tailEnd type="none" w="med" len="med"/>
+          </a:ln>
+        </p:spPr>
+        <p:style>
+          <a:lnRef idx="1">
+            <a:schemeClr val="accent1"/>
+          </a:lnRef>
+          <a:fillRef idx="0">
+            <a:schemeClr val="accent1"/>
+          </a:fillRef>
+          <a:effectRef idx="0">
+            <a:schemeClr val="accent1"/>
+          </a:effectRef>
+          <a:fontRef idx="minor">
+            <a:schemeClr val="tx1"/>
+          </a:fontRef>
+        </p:style>
+      </p:cxnSp>
+      <p:cxnSp>
+        <p:nvCxnSpPr>
+          <p:cNvPr id="110" name="Gerade Verbindung 109"/>
+          <p:cNvCxnSpPr/>
+          <p:nvPr/>
+        </p:nvCxnSpPr>
+        <p:spPr>
+          <a:xfrm>
+            <a:off x="6876256" y="6237312"/>
+            <a:ext cx="432048" cy="0"/>
+          </a:xfrm>
+          <a:prstGeom prst="line">
+            <a:avLst/>
+          </a:prstGeom>
+          <a:ln w="19050">
+            <a:solidFill>
+              <a:schemeClr val="tx1"/>
+            </a:solidFill>
+          </a:ln>
+        </p:spPr>
+        <p:style>
+          <a:lnRef idx="1">
+            <a:schemeClr val="accent1"/>
+          </a:lnRef>
+          <a:fillRef idx="0">
+            <a:schemeClr val="accent1"/>
+          </a:fillRef>
+          <a:effectRef idx="0">
+            <a:schemeClr val="accent1"/>
+          </a:effectRef>
+          <a:fontRef idx="minor">
+            <a:schemeClr val="tx1"/>
+          </a:fontRef>
+        </p:style>
+      </p:cxnSp>
+      <p:cxnSp>
+        <p:nvCxnSpPr>
+          <p:cNvPr id="111" name="Gerade Verbindung 110"/>
+          <p:cNvCxnSpPr/>
+          <p:nvPr/>
+        </p:nvCxnSpPr>
+        <p:spPr>
+          <a:xfrm flipH="1">
+            <a:off x="6948264" y="6309320"/>
+            <a:ext cx="288032" cy="0"/>
+          </a:xfrm>
+          <a:prstGeom prst="line">
+            <a:avLst/>
+          </a:prstGeom>
+          <a:ln w="19050">
+            <a:solidFill>
+              <a:schemeClr val="tx1"/>
+            </a:solidFill>
+          </a:ln>
+        </p:spPr>
+        <p:style>
+          <a:lnRef idx="1">
+            <a:schemeClr val="accent1"/>
+          </a:lnRef>
+          <a:fillRef idx="0">
+            <a:schemeClr val="accent1"/>
+          </a:fillRef>
+          <a:effectRef idx="0">
+            <a:schemeClr val="accent1"/>
+          </a:effectRef>
+          <a:fontRef idx="minor">
+            <a:schemeClr val="tx1"/>
+          </a:fontRef>
+        </p:style>
+      </p:cxnSp>
+      <p:cxnSp>
+        <p:nvCxnSpPr>
+          <p:cNvPr id="112" name="Gerade Verbindung 111"/>
+          <p:cNvCxnSpPr/>
+          <p:nvPr/>
+        </p:nvCxnSpPr>
+        <p:spPr>
+          <a:xfrm flipH="1">
+            <a:off x="7020272" y="6381328"/>
+            <a:ext cx="144016" cy="0"/>
+          </a:xfrm>
+          <a:prstGeom prst="line">
+            <a:avLst/>
+          </a:prstGeom>
+          <a:ln w="19050">
+            <a:solidFill>
+              <a:schemeClr val="tx1"/>
+            </a:solidFill>
+          </a:ln>
+        </p:spPr>
+        <p:style>
+          <a:lnRef idx="1">
+            <a:schemeClr val="accent1"/>
+          </a:lnRef>
+          <a:fillRef idx="0">
+            <a:schemeClr val="accent1"/>
+          </a:fillRef>
+          <a:effectRef idx="0">
+            <a:schemeClr val="accent1"/>
+          </a:effectRef>
+          <a:fontRef idx="minor">
+            <a:schemeClr val="tx1"/>
+          </a:fontRef>
+        </p:style>
+      </p:cxnSp>
+      <p:cxnSp>
+        <p:nvCxnSpPr>
+          <p:cNvPr id="113" name="Gerade Verbindung 112"/>
+          <p:cNvCxnSpPr/>
+          <p:nvPr/>
+        </p:nvCxnSpPr>
+        <p:spPr>
+          <a:xfrm flipV="1">
+            <a:off x="5724128" y="4797152"/>
+            <a:ext cx="0" cy="216024"/>
+          </a:xfrm>
+          <a:prstGeom prst="line">
+            <a:avLst/>
+          </a:prstGeom>
+          <a:ln w="19050">
+            <a:solidFill>
+              <a:schemeClr val="tx1"/>
+            </a:solidFill>
+            <a:tailEnd type="oval"/>
+          </a:ln>
+        </p:spPr>
+        <p:style>
+          <a:lnRef idx="1">
+            <a:schemeClr val="accent1"/>
+          </a:lnRef>
+          <a:fillRef idx="0">
+            <a:schemeClr val="accent1"/>
+          </a:fillRef>
+          <a:effectRef idx="0">
+            <a:schemeClr val="accent1"/>
+          </a:effectRef>
+          <a:fontRef idx="minor">
+            <a:schemeClr val="tx1"/>
+          </a:fontRef>
+        </p:style>
+      </p:cxnSp>
+      <p:sp>
+        <p:nvSpPr>
+          <p:cNvPr id="114" name="Ellipse 113"/>
+          <p:cNvSpPr/>
+          <p:nvPr/>
+        </p:nvSpPr>
+        <p:spPr>
+          <a:xfrm>
+            <a:off x="6448933" y="4616988"/>
+            <a:ext cx="360040" cy="360040"/>
+          </a:xfrm>
+          <a:prstGeom prst="ellipse">
+            <a:avLst/>
+          </a:prstGeom>
+          <a:noFill/>
+          <a:ln w="19050">
+            <a:solidFill>
+              <a:schemeClr val="tx1"/>
+            </a:solidFill>
+          </a:ln>
+        </p:spPr>
+        <p:style>
+          <a:lnRef idx="2">
+            <a:schemeClr val="accent1">
+              <a:shade val="50000"/>
+            </a:schemeClr>
+          </a:lnRef>
+          <a:fillRef idx="1">
+            <a:schemeClr val="accent1"/>
+          </a:fillRef>
+          <a:effectRef idx="0">
+            <a:schemeClr val="accent1"/>
+          </a:effectRef>
+          <a:fontRef idx="minor">
+            <a:schemeClr val="lt1"/>
+          </a:fontRef>
+        </p:style>
+        <p:txBody>
+          <a:bodyPr rtlCol="0" anchor="ctr"/>
+          <a:lstStyle/>
+          <a:p>
+            <a:pPr algn="ctr"/>
+            <a:endParaRPr lang="de-DE" sz="1400" i="1" baseline="-25000" dirty="0">
+              <a:solidFill>
+                <a:schemeClr val="tx1"/>
+              </a:solidFill>
+              <a:latin typeface="Times New Roman" pitchFamily="18" charset="0"/>
+              <a:cs typeface="Times New Roman" pitchFamily="18" charset="0"/>
+            </a:endParaRPr>
+          </a:p>
+        </p:txBody>
+      </p:sp>
+      <p:sp>
+        <p:nvSpPr>
+          <p:cNvPr id="115" name="Rechteck 114"/>
+          <p:cNvSpPr/>
+          <p:nvPr/>
+        </p:nvSpPr>
+        <p:spPr>
+          <a:xfrm>
+            <a:off x="6412503" y="4633391"/>
+            <a:ext cx="412293" cy="307777"/>
+          </a:xfrm>
+          <a:prstGeom prst="rect">
+            <a:avLst/>
+          </a:prstGeom>
+          <a:ln w="19050">
+            <a:noFill/>
+          </a:ln>
+        </p:spPr>
+        <p:txBody>
+          <a:bodyPr wrap="none">
+            <a:spAutoFit/>
+          </a:bodyPr>
+          <a:lstStyle/>
+          <a:p>
+            <a:pPr algn="ctr"/>
+            <a:r>
+              <a:rPr lang="de-DE" sz="1400" i="1" dirty="0" err="1" smtClean="0">
+                <a:solidFill>
+                  <a:schemeClr val="tx1"/>
+                </a:solidFill>
+                <a:latin typeface="Times New Roman" pitchFamily="18" charset="0"/>
+                <a:cs typeface="Times New Roman" pitchFamily="18" charset="0"/>
+              </a:rPr>
+              <a:t>V</a:t>
+            </a:r>
+            <a:r>
+              <a:rPr lang="de-DE" sz="1400" i="1" baseline="-25000" dirty="0" err="1" smtClean="0">
+                <a:solidFill>
+                  <a:schemeClr val="tx1"/>
+                </a:solidFill>
+                <a:latin typeface="Times New Roman" pitchFamily="18" charset="0"/>
+                <a:cs typeface="Times New Roman" pitchFamily="18" charset="0"/>
+              </a:rPr>
+              <a:t>gq</a:t>
+            </a:r>
+            <a:endParaRPr lang="de-DE" sz="2000" i="1" baseline="-25000" dirty="0">
+              <a:solidFill>
+                <a:schemeClr val="tx1"/>
+              </a:solidFill>
+              <a:latin typeface="Times New Roman" pitchFamily="18" charset="0"/>
+              <a:cs typeface="Times New Roman" pitchFamily="18" charset="0"/>
+            </a:endParaRPr>
+          </a:p>
+        </p:txBody>
+      </p:sp>
+      <p:cxnSp>
+        <p:nvCxnSpPr>
+          <p:cNvPr id="116" name="Gerade Verbindung 115"/>
+          <p:cNvCxnSpPr/>
+          <p:nvPr/>
+        </p:nvCxnSpPr>
+        <p:spPr>
+          <a:xfrm>
+            <a:off x="6156176" y="4791830"/>
+            <a:ext cx="288032" cy="0"/>
+          </a:xfrm>
+          <a:prstGeom prst="line">
+            <a:avLst/>
+          </a:prstGeom>
+          <a:ln w="19050">
+            <a:solidFill>
+              <a:schemeClr val="tx1"/>
+            </a:solidFill>
+          </a:ln>
+        </p:spPr>
+        <p:style>
+          <a:lnRef idx="1">
+            <a:schemeClr val="accent1"/>
+          </a:lnRef>
+          <a:fillRef idx="0">
+            <a:schemeClr val="accent1"/>
+          </a:fillRef>
+          <a:effectRef idx="0">
+            <a:schemeClr val="accent1"/>
+          </a:effectRef>
+          <a:fontRef idx="minor">
+            <a:schemeClr val="tx1"/>
+          </a:fontRef>
+        </p:style>
+      </p:cxnSp>
+      <p:cxnSp>
+        <p:nvCxnSpPr>
+          <p:cNvPr id="117" name="Gerade Verbindung 116"/>
+          <p:cNvCxnSpPr/>
+          <p:nvPr/>
+        </p:nvCxnSpPr>
+        <p:spPr>
+          <a:xfrm flipH="1">
+            <a:off x="6822466" y="4791830"/>
+            <a:ext cx="288032" cy="0"/>
+          </a:xfrm>
+          <a:prstGeom prst="line">
+            <a:avLst/>
+          </a:prstGeom>
+          <a:ln w="19050">
+            <a:solidFill>
+              <a:schemeClr val="tx1"/>
+            </a:solidFill>
+          </a:ln>
+        </p:spPr>
+        <p:style>
+          <a:lnRef idx="1">
+            <a:schemeClr val="accent1"/>
+          </a:lnRef>
+          <a:fillRef idx="0">
+            <a:schemeClr val="accent1"/>
+          </a:fillRef>
+          <a:effectRef idx="0">
+            <a:schemeClr val="accent1"/>
+          </a:effectRef>
+          <a:fontRef idx="minor">
+            <a:schemeClr val="tx1"/>
+          </a:fontRef>
+        </p:style>
+      </p:cxnSp>
+      <p:cxnSp>
+        <p:nvCxnSpPr>
+          <p:cNvPr id="118" name="Gerade Verbindung 117"/>
+          <p:cNvCxnSpPr/>
+          <p:nvPr/>
+        </p:nvCxnSpPr>
+        <p:spPr>
+          <a:xfrm flipH="1">
+            <a:off x="5004048" y="5301208"/>
+            <a:ext cx="432048" cy="0"/>
+          </a:xfrm>
+          <a:prstGeom prst="line">
+            <a:avLst/>
+          </a:prstGeom>
+          <a:ln w="19050">
+            <a:solidFill>
+              <a:schemeClr val="tx1"/>
+            </a:solidFill>
+            <a:prstDash val="sysDot"/>
+          </a:ln>
+        </p:spPr>
+        <p:style>
+          <a:lnRef idx="1">
+            <a:schemeClr val="accent1"/>
+          </a:lnRef>
+          <a:fillRef idx="0">
+            <a:schemeClr val="accent1"/>
+          </a:fillRef>
+          <a:effectRef idx="0">
+            <a:schemeClr val="accent1"/>
+          </a:effectRef>
+          <a:fontRef idx="minor">
+            <a:schemeClr val="tx1"/>
+          </a:fontRef>
+        </p:style>
+      </p:cxnSp>
+      <p:cxnSp>
+        <p:nvCxnSpPr>
+          <p:cNvPr id="119" name="Gerade Verbindung 118"/>
+          <p:cNvCxnSpPr/>
+          <p:nvPr/>
+        </p:nvCxnSpPr>
+        <p:spPr>
+          <a:xfrm flipH="1">
+            <a:off x="5004048" y="5877272"/>
+            <a:ext cx="432048" cy="0"/>
+          </a:xfrm>
+          <a:prstGeom prst="line">
+            <a:avLst/>
+          </a:prstGeom>
+          <a:ln w="19050">
+            <a:solidFill>
+              <a:schemeClr val="tx1"/>
+            </a:solidFill>
+            <a:prstDash val="sysDot"/>
+          </a:ln>
+        </p:spPr>
+        <p:style>
+          <a:lnRef idx="1">
+            <a:schemeClr val="accent1"/>
+          </a:lnRef>
+          <a:fillRef idx="0">
+            <a:schemeClr val="accent1"/>
+          </a:fillRef>
+          <a:effectRef idx="0">
+            <a:schemeClr val="accent1"/>
+          </a:effectRef>
+          <a:fontRef idx="minor">
+            <a:schemeClr val="tx1"/>
+          </a:fontRef>
+        </p:style>
+      </p:cxnSp>
+      <p:cxnSp>
+        <p:nvCxnSpPr>
+          <p:cNvPr id="120" name="Gerade Verbindung 119"/>
+          <p:cNvCxnSpPr/>
+          <p:nvPr/>
+        </p:nvCxnSpPr>
+        <p:spPr>
+          <a:xfrm>
+            <a:off x="5004048" y="5301208"/>
+            <a:ext cx="0" cy="216024"/>
+          </a:xfrm>
+          <a:prstGeom prst="line">
+            <a:avLst/>
+          </a:prstGeom>
+          <a:ln w="19050">
+            <a:solidFill>
+              <a:schemeClr val="tx1"/>
+            </a:solidFill>
+            <a:prstDash val="sysDot"/>
+          </a:ln>
+        </p:spPr>
+        <p:style>
+          <a:lnRef idx="1">
+            <a:schemeClr val="accent1"/>
+          </a:lnRef>
+          <a:fillRef idx="0">
+            <a:schemeClr val="accent1"/>
+          </a:fillRef>
+          <a:effectRef idx="0">
+            <a:schemeClr val="accent1"/>
+          </a:effectRef>
+          <a:fontRef idx="minor">
+            <a:schemeClr val="tx1"/>
+          </a:fontRef>
+        </p:style>
+      </p:cxnSp>
+      <p:cxnSp>
+        <p:nvCxnSpPr>
+          <p:cNvPr id="121" name="Gerade Verbindung 120"/>
+          <p:cNvCxnSpPr/>
+          <p:nvPr/>
+        </p:nvCxnSpPr>
+        <p:spPr>
+          <a:xfrm>
+            <a:off x="4868997" y="5651995"/>
+            <a:ext cx="288032" cy="0"/>
+          </a:xfrm>
+          <a:prstGeom prst="line">
+            <a:avLst/>
+          </a:prstGeom>
+          <a:ln w="19050">
+            <a:solidFill>
+              <a:schemeClr val="tx1"/>
+            </a:solidFill>
+            <a:prstDash val="solid"/>
+          </a:ln>
+        </p:spPr>
+        <p:style>
+          <a:lnRef idx="1">
+            <a:schemeClr val="accent1"/>
+          </a:lnRef>
+          <a:fillRef idx="0">
+            <a:schemeClr val="accent1"/>
+          </a:fillRef>
+          <a:effectRef idx="0">
+            <a:schemeClr val="accent1"/>
+          </a:effectRef>
+          <a:fontRef idx="minor">
+            <a:schemeClr val="tx1"/>
+          </a:fontRef>
+        </p:style>
+      </p:cxnSp>
+      <p:cxnSp>
+        <p:nvCxnSpPr>
+          <p:cNvPr id="122" name="Gerade Verbindung 121"/>
+          <p:cNvCxnSpPr/>
+          <p:nvPr/>
+        </p:nvCxnSpPr>
+        <p:spPr>
+          <a:xfrm>
+            <a:off x="4868997" y="5544127"/>
+            <a:ext cx="288032" cy="0"/>
+          </a:xfrm>
+          <a:prstGeom prst="line">
+            <a:avLst/>
+          </a:prstGeom>
+          <a:ln w="19050">
+            <a:solidFill>
+              <a:schemeClr val="tx1"/>
+            </a:solidFill>
+            <a:prstDash val="solid"/>
+          </a:ln>
+        </p:spPr>
+        <p:style>
+          <a:lnRef idx="1">
+            <a:schemeClr val="accent1"/>
+          </a:lnRef>
+          <a:fillRef idx="0">
+            <a:schemeClr val="accent1"/>
+          </a:fillRef>
+          <a:effectRef idx="0">
+            <a:schemeClr val="accent1"/>
+          </a:effectRef>
+          <a:fontRef idx="minor">
+            <a:schemeClr val="tx1"/>
+          </a:fontRef>
+        </p:style>
+      </p:cxnSp>
+      <p:cxnSp>
+        <p:nvCxnSpPr>
+          <p:cNvPr id="123" name="Gerade Verbindung 122"/>
+          <p:cNvCxnSpPr/>
+          <p:nvPr/>
+        </p:nvCxnSpPr>
+        <p:spPr>
+          <a:xfrm>
+            <a:off x="5004048" y="5661248"/>
+            <a:ext cx="0" cy="216024"/>
+          </a:xfrm>
+          <a:prstGeom prst="line">
+            <a:avLst/>
+          </a:prstGeom>
+          <a:ln w="19050">
+            <a:solidFill>
+              <a:schemeClr val="tx1"/>
+            </a:solidFill>
+            <a:prstDash val="sysDot"/>
+          </a:ln>
+        </p:spPr>
+        <p:style>
+          <a:lnRef idx="1">
+            <a:schemeClr val="accent1"/>
+          </a:lnRef>
+          <a:fillRef idx="0">
+            <a:schemeClr val="accent1"/>
+          </a:fillRef>
+          <a:effectRef idx="0">
+            <a:schemeClr val="accent1"/>
+          </a:effectRef>
+          <a:fontRef idx="minor">
+            <a:schemeClr val="tx1"/>
+          </a:fontRef>
+        </p:style>
+      </p:cxnSp>
+      <p:cxnSp>
+        <p:nvCxnSpPr>
+          <p:cNvPr id="124" name="Gerade Verbindung 123"/>
+          <p:cNvCxnSpPr/>
+          <p:nvPr/>
+        </p:nvCxnSpPr>
+        <p:spPr>
+          <a:xfrm>
+            <a:off x="5508104" y="6237312"/>
+            <a:ext cx="432048" cy="0"/>
+          </a:xfrm>
+          <a:prstGeom prst="line">
+            <a:avLst/>
+          </a:prstGeom>
+          <a:ln w="19050">
+            <a:solidFill>
+              <a:schemeClr val="tx1"/>
+            </a:solidFill>
+          </a:ln>
+        </p:spPr>
+        <p:style>
+          <a:lnRef idx="1">
+            <a:schemeClr val="accent1"/>
+          </a:lnRef>
+          <a:fillRef idx="0">
+            <a:schemeClr val="accent1"/>
+          </a:fillRef>
+          <a:effectRef idx="0">
+            <a:schemeClr val="accent1"/>
+          </a:effectRef>
+          <a:fontRef idx="minor">
+            <a:schemeClr val="tx1"/>
+          </a:fontRef>
+        </p:style>
+      </p:cxnSp>
+      <p:cxnSp>
+        <p:nvCxnSpPr>
+          <p:cNvPr id="125" name="Gerade Verbindung 124"/>
+          <p:cNvCxnSpPr/>
+          <p:nvPr/>
+        </p:nvCxnSpPr>
+        <p:spPr>
+          <a:xfrm flipH="1">
+            <a:off x="5580112" y="6309320"/>
+            <a:ext cx="288032" cy="0"/>
+          </a:xfrm>
+          <a:prstGeom prst="line">
+            <a:avLst/>
+          </a:prstGeom>
+          <a:ln w="19050">
+            <a:solidFill>
+              <a:schemeClr val="tx1"/>
+            </a:solidFill>
+          </a:ln>
+        </p:spPr>
+        <p:style>
+          <a:lnRef idx="1">
+            <a:schemeClr val="accent1"/>
+          </a:lnRef>
+          <a:fillRef idx="0">
+            <a:schemeClr val="accent1"/>
+          </a:fillRef>
+          <a:effectRef idx="0">
+            <a:schemeClr val="accent1"/>
+          </a:effectRef>
+          <a:fontRef idx="minor">
+            <a:schemeClr val="tx1"/>
+          </a:fontRef>
+        </p:style>
+      </p:cxnSp>
+      <p:cxnSp>
+        <p:nvCxnSpPr>
+          <p:cNvPr id="126" name="Gerade Verbindung 125"/>
+          <p:cNvCxnSpPr/>
+          <p:nvPr/>
+        </p:nvCxnSpPr>
+        <p:spPr>
+          <a:xfrm flipH="1">
+            <a:off x="5652120" y="6381328"/>
+            <a:ext cx="144016" cy="0"/>
+          </a:xfrm>
+          <a:prstGeom prst="line">
+            <a:avLst/>
+          </a:prstGeom>
+          <a:ln w="19050">
+            <a:solidFill>
+              <a:schemeClr val="tx1"/>
+            </a:solidFill>
+          </a:ln>
+        </p:spPr>
+        <p:style>
+          <a:lnRef idx="1">
+            <a:schemeClr val="accent1"/>
+          </a:lnRef>
+          <a:fillRef idx="0">
+            <a:schemeClr val="accent1"/>
+          </a:fillRef>
+          <a:effectRef idx="0">
+            <a:schemeClr val="accent1"/>
+          </a:effectRef>
+          <a:fontRef idx="minor">
+            <a:schemeClr val="tx1"/>
+          </a:fontRef>
+        </p:style>
+      </p:cxnSp>
+      <p:sp>
+        <p:nvSpPr>
+          <p:cNvPr id="127" name="Textfeld 126"/>
+          <p:cNvSpPr txBox="1"/>
+          <p:nvPr/>
+        </p:nvSpPr>
+        <p:spPr>
+          <a:xfrm>
+            <a:off x="4508292" y="5411220"/>
+            <a:ext cx="429926" cy="369332"/>
+          </a:xfrm>
+          <a:prstGeom prst="rect">
+            <a:avLst/>
+          </a:prstGeom>
+          <a:noFill/>
+        </p:spPr>
+        <p:txBody>
+          <a:bodyPr wrap="none" rtlCol="0">
+            <a:spAutoFit/>
+          </a:bodyPr>
+          <a:lstStyle/>
+          <a:p>
+            <a:r>
+              <a:rPr lang="de-DE" i="1" dirty="0" smtClean="0">
+                <a:latin typeface="Times New Roman" pitchFamily="18" charset="0"/>
+                <a:cs typeface="Times New Roman" pitchFamily="18" charset="0"/>
+              </a:rPr>
+              <a:t>C</a:t>
+            </a:r>
+            <a:r>
+              <a:rPr lang="el-GR" i="1" baseline="-25000" dirty="0" smtClean="0">
+                <a:latin typeface="Times New Roman"/>
+                <a:cs typeface="Times New Roman"/>
+              </a:rPr>
+              <a:t>Σ</a:t>
+            </a:r>
+            <a:endParaRPr lang="de-DE" i="1" baseline="-25000" dirty="0">
+              <a:latin typeface="Times New Roman" pitchFamily="18" charset="0"/>
+              <a:cs typeface="Times New Roman" pitchFamily="18" charset="0"/>
+            </a:endParaRPr>
+          </a:p>
+        </p:txBody>
+      </p:sp>
+      <p:sp>
+        <p:nvSpPr>
+          <p:cNvPr id="128" name="Textfeld 127"/>
+          <p:cNvSpPr txBox="1"/>
+          <p:nvPr/>
+        </p:nvSpPr>
+        <p:spPr>
+          <a:xfrm>
+            <a:off x="6084168" y="5411220"/>
+            <a:ext cx="394660" cy="369332"/>
+          </a:xfrm>
+          <a:prstGeom prst="rect">
+            <a:avLst/>
+          </a:prstGeom>
+          <a:noFill/>
+        </p:spPr>
+        <p:txBody>
+          <a:bodyPr wrap="none" rtlCol="0">
+            <a:spAutoFit/>
+          </a:bodyPr>
+          <a:lstStyle/>
+          <a:p>
+            <a:r>
+              <a:rPr lang="de-DE" i="1" dirty="0" smtClean="0">
+                <a:latin typeface="Times New Roman" pitchFamily="18" charset="0"/>
+                <a:cs typeface="Times New Roman" pitchFamily="18" charset="0"/>
+              </a:rPr>
+              <a:t>E</a:t>
+            </a:r>
+            <a:r>
+              <a:rPr lang="de-DE" i="1" baseline="-25000" dirty="0" smtClean="0">
+                <a:latin typeface="Times New Roman" pitchFamily="18" charset="0"/>
+                <a:cs typeface="Times New Roman" pitchFamily="18" charset="0"/>
+              </a:rPr>
+              <a:t>J</a:t>
+            </a:r>
+            <a:endParaRPr lang="de-DE" i="1" baseline="-25000" dirty="0">
+              <a:latin typeface="Times New Roman" pitchFamily="18" charset="0"/>
+              <a:cs typeface="Times New Roman" pitchFamily="18" charset="0"/>
+            </a:endParaRPr>
+          </a:p>
+        </p:txBody>
+      </p:sp>
+      <p:sp>
+        <p:nvSpPr>
+          <p:cNvPr id="129" name="Textfeld 128"/>
+          <p:cNvSpPr txBox="1"/>
+          <p:nvPr/>
+        </p:nvSpPr>
+        <p:spPr>
+          <a:xfrm>
+            <a:off x="4609050" y="4863968"/>
+            <a:ext cx="415498" cy="369332"/>
+          </a:xfrm>
+          <a:prstGeom prst="rect">
+            <a:avLst/>
+          </a:prstGeom>
+          <a:noFill/>
+        </p:spPr>
+        <p:txBody>
+          <a:bodyPr wrap="none" rtlCol="0">
+            <a:spAutoFit/>
+          </a:bodyPr>
+          <a:lstStyle/>
+          <a:p>
+            <a:r>
+              <a:rPr lang="de-DE" i="1" dirty="0" err="1" smtClean="0">
+                <a:latin typeface="Times New Roman" pitchFamily="18" charset="0"/>
+                <a:cs typeface="Times New Roman" pitchFamily="18" charset="0"/>
+              </a:rPr>
+              <a:t>C</a:t>
+            </a:r>
+            <a:r>
+              <a:rPr lang="de-DE" i="1" baseline="-25000" dirty="0" err="1" smtClean="0">
+                <a:latin typeface="Times New Roman" pitchFamily="18" charset="0"/>
+                <a:cs typeface="Times New Roman" pitchFamily="18" charset="0"/>
+              </a:rPr>
+              <a:t>g</a:t>
+            </a:r>
+            <a:endParaRPr lang="de-DE" i="1" baseline="-25000" dirty="0">
+              <a:latin typeface="Times New Roman" pitchFamily="18" charset="0"/>
+              <a:cs typeface="Times New Roman" pitchFamily="18" charset="0"/>
+            </a:endParaRPr>
+          </a:p>
+        </p:txBody>
+      </p:sp>
+      <p:cxnSp>
+        <p:nvCxnSpPr>
+          <p:cNvPr id="130" name="Gerade Verbindung 129"/>
+          <p:cNvCxnSpPr/>
+          <p:nvPr/>
+        </p:nvCxnSpPr>
+        <p:spPr>
+          <a:xfrm>
+            <a:off x="4860032" y="4797152"/>
+            <a:ext cx="1224136" cy="0"/>
+          </a:xfrm>
+          <a:prstGeom prst="line">
+            <a:avLst/>
+          </a:prstGeom>
+          <a:ln w="19050">
+            <a:solidFill>
+              <a:schemeClr val="tx1"/>
+            </a:solidFill>
+          </a:ln>
+        </p:spPr>
+        <p:style>
+          <a:lnRef idx="1">
+            <a:schemeClr val="accent1"/>
+          </a:lnRef>
+          <a:fillRef idx="0">
+            <a:schemeClr val="accent1"/>
+          </a:fillRef>
+          <a:effectRef idx="0">
+            <a:schemeClr val="accent1"/>
+          </a:effectRef>
+          <a:fontRef idx="minor">
+            <a:schemeClr val="tx1"/>
+          </a:fontRef>
+        </p:style>
+      </p:cxnSp>
+      <p:grpSp>
+        <p:nvGrpSpPr>
+          <p:cNvPr id="131" name="Gruppieren 130"/>
+          <p:cNvGrpSpPr/>
+          <p:nvPr/>
+        </p:nvGrpSpPr>
+        <p:grpSpPr>
+          <a:xfrm rot="5400000">
+            <a:off x="5976156" y="4761148"/>
+            <a:ext cx="288032" cy="72008"/>
+            <a:chOff x="4644008" y="1844824"/>
+            <a:chExt cx="288032" cy="72008"/>
+          </a:xfrm>
+        </p:grpSpPr>
+        <p:cxnSp>
+          <p:nvCxnSpPr>
+            <p:cNvPr id="132" name="Gerade Verbindung 131"/>
+            <p:cNvCxnSpPr/>
+            <p:nvPr/>
+          </p:nvCxnSpPr>
+          <p:spPr>
+            <a:xfrm>
+              <a:off x="4644008" y="1916832"/>
+              <a:ext cx="288032" cy="0"/>
+            </a:xfrm>
+            <a:prstGeom prst="line">
+              <a:avLst/>
+            </a:prstGeom>
+            <a:ln w="19050">
+              <a:solidFill>
+                <a:schemeClr val="tx1"/>
+              </a:solidFill>
+            </a:ln>
+          </p:spPr>
+          <p:style>
+            <a:lnRef idx="1">
+              <a:schemeClr val="accent1"/>
+            </a:lnRef>
+            <a:fillRef idx="0">
+              <a:schemeClr val="accent1"/>
+            </a:fillRef>
+            <a:effectRef idx="0">
+              <a:schemeClr val="accent1"/>
+            </a:effectRef>
+            <a:fontRef idx="minor">
+              <a:schemeClr val="tx1"/>
+            </a:fontRef>
+          </p:style>
+        </p:cxnSp>
+        <p:cxnSp>
+          <p:nvCxnSpPr>
+            <p:cNvPr id="133" name="Gerade Verbindung 132"/>
+            <p:cNvCxnSpPr/>
+            <p:nvPr/>
+          </p:nvCxnSpPr>
+          <p:spPr>
+            <a:xfrm>
+              <a:off x="4644008" y="1844824"/>
+              <a:ext cx="288032" cy="0"/>
+            </a:xfrm>
+            <a:prstGeom prst="line">
+              <a:avLst/>
+            </a:prstGeom>
+            <a:ln w="19050">
+              <a:solidFill>
+                <a:schemeClr val="tx1"/>
+              </a:solidFill>
+            </a:ln>
+          </p:spPr>
+          <p:style>
+            <a:lnRef idx="1">
+              <a:schemeClr val="accent1"/>
+            </a:lnRef>
+            <a:fillRef idx="0">
+              <a:schemeClr val="accent1"/>
+            </a:fillRef>
+            <a:effectRef idx="0">
+              <a:schemeClr val="accent1"/>
+            </a:effectRef>
+            <a:fontRef idx="minor">
+              <a:schemeClr val="tx1"/>
+            </a:fontRef>
+          </p:style>
+        </p:cxnSp>
+      </p:grpSp>
+      <p:cxnSp>
+        <p:nvCxnSpPr>
+          <p:cNvPr id="134" name="Gerade Verbindung 133"/>
+          <p:cNvCxnSpPr/>
+          <p:nvPr/>
+        </p:nvCxnSpPr>
+        <p:spPr>
+          <a:xfrm>
+            <a:off x="3995936" y="4941168"/>
+            <a:ext cx="0" cy="360040"/>
+          </a:xfrm>
+          <a:prstGeom prst="line">
+            <a:avLst/>
+          </a:prstGeom>
+          <a:ln w="19050">
+            <a:solidFill>
+              <a:schemeClr val="tx1"/>
+            </a:solidFill>
+            <a:tailEnd type="oval"/>
+          </a:ln>
+        </p:spPr>
+        <p:style>
+          <a:lnRef idx="1">
+            <a:schemeClr val="accent1"/>
+          </a:lnRef>
+          <a:fillRef idx="0">
+            <a:schemeClr val="accent1"/>
+          </a:fillRef>
+          <a:effectRef idx="0">
+            <a:schemeClr val="accent1"/>
+          </a:effectRef>
+          <a:fontRef idx="minor">
+            <a:schemeClr val="tx1"/>
+          </a:fontRef>
+        </p:style>
+      </p:cxnSp>
+      <p:cxnSp>
+        <p:nvCxnSpPr>
+          <p:cNvPr id="135" name="Gerade Verbindung 134"/>
+          <p:cNvCxnSpPr>
+            <a:stCxn id="78" idx="2"/>
+          </p:cNvCxnSpPr>
+          <p:nvPr/>
+        </p:nvCxnSpPr>
+        <p:spPr>
+          <a:xfrm>
+            <a:off x="3995936" y="5877272"/>
+            <a:ext cx="0" cy="360040"/>
+          </a:xfrm>
+          <a:prstGeom prst="line">
+            <a:avLst/>
+          </a:prstGeom>
+          <a:ln w="19050">
+            <a:solidFill>
+              <a:schemeClr val="tx1"/>
+            </a:solidFill>
+            <a:headEnd type="oval" w="med" len="med"/>
+            <a:tailEnd type="none" w="med" len="med"/>
+          </a:ln>
+        </p:spPr>
+        <p:style>
+          <a:lnRef idx="1">
+            <a:schemeClr val="accent1"/>
+          </a:lnRef>
+          <a:fillRef idx="0">
+            <a:schemeClr val="accent1"/>
+          </a:fillRef>
+          <a:effectRef idx="0">
+            <a:schemeClr val="accent1"/>
+          </a:effectRef>
+          <a:fontRef idx="minor">
+            <a:schemeClr val="tx1"/>
+          </a:fontRef>
+        </p:style>
+      </p:cxnSp>
+      <p:cxnSp>
+        <p:nvCxnSpPr>
+          <p:cNvPr id="136" name="Gerade Verbindung 135"/>
+          <p:cNvCxnSpPr/>
+          <p:nvPr/>
+        </p:nvCxnSpPr>
+        <p:spPr>
+          <a:xfrm flipV="1">
+            <a:off x="3995936" y="4797152"/>
+            <a:ext cx="0" cy="216024"/>
+          </a:xfrm>
+          <a:prstGeom prst="line">
+            <a:avLst/>
+          </a:prstGeom>
+          <a:ln w="19050">
+            <a:solidFill>
+              <a:schemeClr val="tx1"/>
+            </a:solidFill>
+            <a:tailEnd type="oval"/>
+          </a:ln>
+        </p:spPr>
+        <p:style>
+          <a:lnRef idx="1">
+            <a:schemeClr val="accent1"/>
+          </a:lnRef>
+          <a:fillRef idx="0">
+            <a:schemeClr val="accent1"/>
+          </a:fillRef>
+          <a:effectRef idx="0">
+            <a:schemeClr val="accent1"/>
+          </a:effectRef>
+          <a:fontRef idx="minor">
+            <a:schemeClr val="tx1"/>
+          </a:fontRef>
+        </p:style>
+      </p:cxnSp>
+      <p:cxnSp>
+        <p:nvCxnSpPr>
+          <p:cNvPr id="137" name="Gerade Verbindung 136"/>
+          <p:cNvCxnSpPr/>
+          <p:nvPr/>
+        </p:nvCxnSpPr>
+        <p:spPr>
+          <a:xfrm>
+            <a:off x="3563888" y="5651995"/>
+            <a:ext cx="288032" cy="0"/>
+          </a:xfrm>
+          <a:prstGeom prst="line">
+            <a:avLst/>
+          </a:prstGeom>
+          <a:ln w="19050">
+            <a:solidFill>
+              <a:schemeClr val="tx1"/>
+            </a:solidFill>
+            <a:prstDash val="solid"/>
+          </a:ln>
+        </p:spPr>
+        <p:style>
+          <a:lnRef idx="1">
+            <a:schemeClr val="accent1"/>
+          </a:lnRef>
+          <a:fillRef idx="0">
+            <a:schemeClr val="accent1"/>
+          </a:fillRef>
+          <a:effectRef idx="0">
+            <a:schemeClr val="accent1"/>
+          </a:effectRef>
+          <a:fontRef idx="minor">
+            <a:schemeClr val="tx1"/>
+          </a:fontRef>
+        </p:style>
+      </p:cxnSp>
+      <p:cxnSp>
+        <p:nvCxnSpPr>
+          <p:cNvPr id="138" name="Gerade Verbindung 137"/>
+          <p:cNvCxnSpPr/>
+          <p:nvPr/>
+        </p:nvCxnSpPr>
+        <p:spPr>
+          <a:xfrm>
+            <a:off x="3563888" y="5544127"/>
+            <a:ext cx="288032" cy="0"/>
+          </a:xfrm>
+          <a:prstGeom prst="line">
+            <a:avLst/>
+          </a:prstGeom>
+          <a:ln w="19050">
+            <a:solidFill>
+              <a:schemeClr val="tx1"/>
+            </a:solidFill>
+            <a:prstDash val="solid"/>
+          </a:ln>
+        </p:spPr>
+        <p:style>
+          <a:lnRef idx="1">
+            <a:schemeClr val="accent1"/>
+          </a:lnRef>
+          <a:fillRef idx="0">
+            <a:schemeClr val="accent1"/>
+          </a:fillRef>
+          <a:effectRef idx="0">
+            <a:schemeClr val="accent1"/>
+          </a:effectRef>
+          <a:fontRef idx="minor">
+            <a:schemeClr val="tx1"/>
+          </a:fontRef>
+        </p:style>
+      </p:cxnSp>
+      <p:cxnSp>
+        <p:nvCxnSpPr>
+          <p:cNvPr id="139" name="Gerade Verbindung 138"/>
+          <p:cNvCxnSpPr/>
+          <p:nvPr/>
+        </p:nvCxnSpPr>
+        <p:spPr>
+          <a:xfrm>
+            <a:off x="3779912" y="6237312"/>
+            <a:ext cx="432048" cy="0"/>
+          </a:xfrm>
+          <a:prstGeom prst="line">
+            <a:avLst/>
+          </a:prstGeom>
+          <a:ln w="19050">
+            <a:solidFill>
+              <a:schemeClr val="tx1"/>
+            </a:solidFill>
+          </a:ln>
+        </p:spPr>
+        <p:style>
+          <a:lnRef idx="1">
+            <a:schemeClr val="accent1"/>
+          </a:lnRef>
+          <a:fillRef idx="0">
+            <a:schemeClr val="accent1"/>
+          </a:fillRef>
+          <a:effectRef idx="0">
+            <a:schemeClr val="accent1"/>
+          </a:effectRef>
+          <a:fontRef idx="minor">
+            <a:schemeClr val="tx1"/>
+          </a:fontRef>
+        </p:style>
+      </p:cxnSp>
+      <p:cxnSp>
+        <p:nvCxnSpPr>
+          <p:cNvPr id="140" name="Gerade Verbindung 139"/>
+          <p:cNvCxnSpPr/>
+          <p:nvPr/>
+        </p:nvCxnSpPr>
+        <p:spPr>
+          <a:xfrm flipH="1">
+            <a:off x="3851920" y="6309320"/>
+            <a:ext cx="288032" cy="0"/>
+          </a:xfrm>
+          <a:prstGeom prst="line">
+            <a:avLst/>
+          </a:prstGeom>
+          <a:ln w="19050">
+            <a:solidFill>
+              <a:schemeClr val="tx1"/>
+            </a:solidFill>
+          </a:ln>
+        </p:spPr>
+        <p:style>
+          <a:lnRef idx="1">
+            <a:schemeClr val="accent1"/>
+          </a:lnRef>
+          <a:fillRef idx="0">
+            <a:schemeClr val="accent1"/>
+          </a:fillRef>
+          <a:effectRef idx="0">
+            <a:schemeClr val="accent1"/>
+          </a:effectRef>
+          <a:fontRef idx="minor">
+            <a:schemeClr val="tx1"/>
+          </a:fontRef>
+        </p:style>
+      </p:cxnSp>
+      <p:cxnSp>
+        <p:nvCxnSpPr>
+          <p:cNvPr id="141" name="Gerade Verbindung 140"/>
+          <p:cNvCxnSpPr/>
+          <p:nvPr/>
+        </p:nvCxnSpPr>
+        <p:spPr>
+          <a:xfrm flipH="1">
+            <a:off x="3923928" y="6381328"/>
+            <a:ext cx="144016" cy="0"/>
+          </a:xfrm>
+          <a:prstGeom prst="line">
+            <a:avLst/>
+          </a:prstGeom>
+          <a:ln w="19050">
+            <a:solidFill>
+              <a:schemeClr val="tx1"/>
+            </a:solidFill>
+          </a:ln>
+        </p:spPr>
+        <p:style>
+          <a:lnRef idx="1">
+            <a:schemeClr val="accent1"/>
+          </a:lnRef>
+          <a:fillRef idx="0">
+            <a:schemeClr val="accent1"/>
+          </a:fillRef>
+          <a:effectRef idx="0">
+            <a:schemeClr val="accent1"/>
+          </a:effectRef>
+          <a:fontRef idx="minor">
+            <a:schemeClr val="tx1"/>
+          </a:fontRef>
+        </p:style>
+      </p:cxnSp>
+      <p:sp>
+        <p:nvSpPr>
+          <p:cNvPr id="142" name="Textfeld 141"/>
+          <p:cNvSpPr txBox="1"/>
+          <p:nvPr/>
+        </p:nvSpPr>
+        <p:spPr>
+          <a:xfrm>
+            <a:off x="3213318" y="5411220"/>
+            <a:ext cx="397866" cy="369332"/>
+          </a:xfrm>
+          <a:prstGeom prst="rect">
+            <a:avLst/>
+          </a:prstGeom>
+          <a:noFill/>
+        </p:spPr>
+        <p:txBody>
+          <a:bodyPr wrap="none" rtlCol="0">
+            <a:spAutoFit/>
+          </a:bodyPr>
+          <a:lstStyle/>
+          <a:p>
+            <a:r>
+              <a:rPr lang="de-DE" i="1" dirty="0" err="1" smtClean="0">
+                <a:latin typeface="Times New Roman" pitchFamily="18" charset="0"/>
+                <a:cs typeface="Times New Roman" pitchFamily="18" charset="0"/>
+              </a:rPr>
+              <a:t>C</a:t>
+            </a:r>
+            <a:r>
+              <a:rPr lang="de-DE" i="1" baseline="-25000" dirty="0" err="1" smtClean="0">
+                <a:latin typeface="Times New Roman"/>
+                <a:cs typeface="Times New Roman"/>
+              </a:rPr>
+              <a:t>r</a:t>
+            </a:r>
+            <a:endParaRPr lang="de-DE" i="1" baseline="-25000" dirty="0">
+              <a:latin typeface="Times New Roman" pitchFamily="18" charset="0"/>
+              <a:cs typeface="Times New Roman" pitchFamily="18" charset="0"/>
+            </a:endParaRPr>
+          </a:p>
+        </p:txBody>
+      </p:sp>
+      <p:grpSp>
+        <p:nvGrpSpPr>
+          <p:cNvPr id="143" name="Gruppieren 142"/>
+          <p:cNvGrpSpPr/>
+          <p:nvPr/>
+        </p:nvGrpSpPr>
+        <p:grpSpPr>
+          <a:xfrm rot="5400000" flipH="1">
+            <a:off x="4080902" y="5498097"/>
+            <a:ext cx="418812" cy="169049"/>
+            <a:chOff x="2339752" y="3645024"/>
+            <a:chExt cx="418812" cy="169049"/>
+          </a:xfrm>
+        </p:grpSpPr>
+        <p:sp>
+          <p:nvSpPr>
+            <p:cNvPr id="144" name="Rechteck 143"/>
+            <p:cNvSpPr/>
+            <p:nvPr/>
+          </p:nvSpPr>
+          <p:spPr>
+            <a:xfrm>
+              <a:off x="2339752" y="3645024"/>
+              <a:ext cx="418812" cy="144016"/>
+            </a:xfrm>
+            <a:prstGeom prst="rect">
+              <a:avLst/>
+            </a:prstGeom>
+            <a:solidFill>
+              <a:schemeClr val="bg1"/>
+            </a:solidFill>
+            <a:ln>
+              <a:noFill/>
+            </a:ln>
+          </p:spPr>
+          <p:style>
+            <a:lnRef idx="2">
+              <a:schemeClr val="accent1">
+                <a:shade val="50000"/>
+              </a:schemeClr>
+            </a:lnRef>
+            <a:fillRef idx="1">
+              <a:schemeClr val="accent1"/>
+            </a:fillRef>
+            <a:effectRef idx="0">
+              <a:schemeClr val="accent1"/>
+            </a:effectRef>
+            <a:fontRef idx="minor">
+              <a:schemeClr val="lt1"/>
+            </a:fontRef>
+          </p:style>
+          <p:txBody>
+            <a:bodyPr rtlCol="0" anchor="ctr"/>
+            <a:lstStyle/>
+            <a:p>
+              <a:pPr algn="ctr"/>
+              <a:endParaRPr lang="de-DE"/>
+            </a:p>
+          </p:txBody>
+        </p:sp>
+        <p:grpSp>
+          <p:nvGrpSpPr>
+            <p:cNvPr id="145" name="Gruppieren 26"/>
+            <p:cNvGrpSpPr/>
+            <p:nvPr/>
+          </p:nvGrpSpPr>
+          <p:grpSpPr>
+            <a:xfrm rot="5556335" flipH="1" flipV="1">
+              <a:off x="2469381" y="3532251"/>
+              <a:ext cx="156407" cy="407237"/>
+              <a:chOff x="3263465" y="1394775"/>
+              <a:chExt cx="384822" cy="1577366"/>
+            </a:xfrm>
+          </p:grpSpPr>
+          <p:sp>
+            <p:nvSpPr>
+              <p:cNvPr id="146" name="Bogen 145"/>
+              <p:cNvSpPr/>
+              <p:nvPr/>
+            </p:nvSpPr>
+            <p:spPr>
+              <a:xfrm rot="11021761" flipH="1" flipV="1">
+                <a:off x="3263465" y="1394775"/>
+                <a:ext cx="360040" cy="396044"/>
+              </a:xfrm>
+              <a:prstGeom prst="arc">
+                <a:avLst>
+                  <a:gd name="adj1" fmla="val 15538480"/>
+                  <a:gd name="adj2" fmla="val 5376446"/>
+                </a:avLst>
+              </a:prstGeom>
+              <a:ln w="19050">
+                <a:solidFill>
+                  <a:schemeClr val="tx1"/>
+                </a:solidFill>
+                <a:prstDash val="solid"/>
+              </a:ln>
+            </p:spPr>
+            <p:style>
+              <a:lnRef idx="1">
+                <a:schemeClr val="accent1"/>
+              </a:lnRef>
+              <a:fillRef idx="0">
+                <a:schemeClr val="accent1"/>
+              </a:fillRef>
+              <a:effectRef idx="0">
+                <a:schemeClr val="accent1"/>
+              </a:effectRef>
+              <a:fontRef idx="minor">
+                <a:schemeClr val="tx1"/>
+              </a:fontRef>
+            </p:style>
+            <p:txBody>
+              <a:bodyPr rtlCol="0" anchor="ctr"/>
+              <a:lstStyle/>
+              <a:p>
+                <a:pPr algn="ctr"/>
+                <a:endParaRPr lang="de-DE" dirty="0"/>
+              </a:p>
+            </p:txBody>
+          </p:sp>
+          <p:sp>
+            <p:nvSpPr>
+              <p:cNvPr id="147" name="Bogen 146"/>
+              <p:cNvSpPr/>
+              <p:nvPr/>
+            </p:nvSpPr>
+            <p:spPr>
+              <a:xfrm rot="11021761" flipH="1" flipV="1">
+                <a:off x="3288246" y="1784010"/>
+                <a:ext cx="360040" cy="396044"/>
+              </a:xfrm>
+              <a:prstGeom prst="arc">
+                <a:avLst>
+                  <a:gd name="adj1" fmla="val 15538480"/>
+                  <a:gd name="adj2" fmla="val 5376446"/>
+                </a:avLst>
+              </a:prstGeom>
+              <a:ln w="19050">
+                <a:solidFill>
+                  <a:schemeClr val="tx1"/>
+                </a:solidFill>
+                <a:prstDash val="solid"/>
+              </a:ln>
+            </p:spPr>
+            <p:style>
+              <a:lnRef idx="1">
+                <a:schemeClr val="accent1"/>
+              </a:lnRef>
+              <a:fillRef idx="0">
+                <a:schemeClr val="accent1"/>
+              </a:fillRef>
+              <a:effectRef idx="0">
+                <a:schemeClr val="accent1"/>
+              </a:effectRef>
+              <a:fontRef idx="minor">
+                <a:schemeClr val="tx1"/>
+              </a:fontRef>
+            </p:style>
+            <p:txBody>
+              <a:bodyPr rtlCol="0" anchor="ctr"/>
+              <a:lstStyle/>
+              <a:p>
+                <a:pPr algn="ctr"/>
+                <a:endParaRPr lang="de-DE" dirty="0"/>
+              </a:p>
+            </p:txBody>
+          </p:sp>
+          <p:sp>
+            <p:nvSpPr>
+              <p:cNvPr id="148" name="Bogen 147"/>
+              <p:cNvSpPr/>
+              <p:nvPr/>
+            </p:nvSpPr>
+            <p:spPr>
+              <a:xfrm rot="11021761" flipH="1" flipV="1">
+                <a:off x="3288247" y="2170945"/>
+                <a:ext cx="360040" cy="396044"/>
+              </a:xfrm>
+              <a:prstGeom prst="arc">
+                <a:avLst>
+                  <a:gd name="adj1" fmla="val 15538480"/>
+                  <a:gd name="adj2" fmla="val 5376446"/>
+                </a:avLst>
+              </a:prstGeom>
+              <a:ln w="19050">
+                <a:solidFill>
+                  <a:schemeClr val="tx1"/>
+                </a:solidFill>
+                <a:prstDash val="solid"/>
+              </a:ln>
+            </p:spPr>
+            <p:style>
+              <a:lnRef idx="1">
+                <a:schemeClr val="accent1"/>
+              </a:lnRef>
+              <a:fillRef idx="0">
+                <a:schemeClr val="accent1"/>
+              </a:fillRef>
+              <a:effectRef idx="0">
+                <a:schemeClr val="accent1"/>
+              </a:effectRef>
+              <a:fontRef idx="minor">
+                <a:schemeClr val="tx1"/>
+              </a:fontRef>
+            </p:style>
+            <p:txBody>
+              <a:bodyPr rtlCol="0" anchor="ctr"/>
+              <a:lstStyle/>
+              <a:p>
+                <a:pPr algn="ctr"/>
+                <a:endParaRPr lang="de-DE" dirty="0"/>
+              </a:p>
+            </p:txBody>
+          </p:sp>
+          <p:sp>
+            <p:nvSpPr>
+              <p:cNvPr id="149" name="Bogen 148"/>
+              <p:cNvSpPr/>
+              <p:nvPr/>
+            </p:nvSpPr>
+            <p:spPr>
+              <a:xfrm rot="11021761" flipH="1" flipV="1">
+                <a:off x="3288247" y="2576097"/>
+                <a:ext cx="360040" cy="396044"/>
+              </a:xfrm>
+              <a:prstGeom prst="arc">
+                <a:avLst>
+                  <a:gd name="adj1" fmla="val 15538480"/>
+                  <a:gd name="adj2" fmla="val 5376446"/>
+                </a:avLst>
+              </a:prstGeom>
+              <a:ln w="19050">
+                <a:solidFill>
+                  <a:schemeClr val="tx1"/>
+                </a:solidFill>
+                <a:prstDash val="solid"/>
+              </a:ln>
+            </p:spPr>
+            <p:style>
+              <a:lnRef idx="1">
+                <a:schemeClr val="accent1"/>
+              </a:lnRef>
+              <a:fillRef idx="0">
+                <a:schemeClr val="accent1"/>
+              </a:fillRef>
+              <a:effectRef idx="0">
+                <a:schemeClr val="accent1"/>
+              </a:effectRef>
+              <a:fontRef idx="minor">
+                <a:schemeClr val="tx1"/>
+              </a:fontRef>
+            </p:style>
+            <p:txBody>
+              <a:bodyPr rtlCol="0" anchor="ctr"/>
+              <a:lstStyle/>
+              <a:p>
+                <a:pPr algn="ctr"/>
+                <a:endParaRPr lang="de-DE" dirty="0"/>
+              </a:p>
+            </p:txBody>
+          </p:sp>
+        </p:grpSp>
+      </p:grpSp>
+      <p:sp>
+        <p:nvSpPr>
+          <p:cNvPr id="150" name="Textfeld 149"/>
+          <p:cNvSpPr txBox="1"/>
+          <p:nvPr/>
+        </p:nvSpPr>
+        <p:spPr>
+          <a:xfrm>
+            <a:off x="3911750" y="5411220"/>
+            <a:ext cx="372218" cy="369332"/>
+          </a:xfrm>
+          <a:prstGeom prst="rect">
+            <a:avLst/>
+          </a:prstGeom>
+          <a:noFill/>
+        </p:spPr>
+        <p:txBody>
+          <a:bodyPr wrap="none" rtlCol="0">
+            <a:spAutoFit/>
+          </a:bodyPr>
+          <a:lstStyle/>
+          <a:p>
+            <a:r>
+              <a:rPr lang="de-DE" i="1" dirty="0" err="1" smtClean="0">
+                <a:latin typeface="Times New Roman" pitchFamily="18" charset="0"/>
+                <a:cs typeface="Times New Roman" pitchFamily="18" charset="0"/>
+              </a:rPr>
+              <a:t>L</a:t>
+            </a:r>
+            <a:r>
+              <a:rPr lang="de-DE" i="1" baseline="-25000" dirty="0" err="1" smtClean="0">
+                <a:latin typeface="Times New Roman"/>
+                <a:cs typeface="Times New Roman"/>
+              </a:rPr>
+              <a:t>r</a:t>
+            </a:r>
+            <a:endParaRPr lang="de-DE" i="1" baseline="-25000" dirty="0">
+              <a:latin typeface="Times New Roman" pitchFamily="18" charset="0"/>
+              <a:cs typeface="Times New Roman" pitchFamily="18" charset="0"/>
+            </a:endParaRPr>
+          </a:p>
+        </p:txBody>
+      </p:sp>
+      <p:sp>
+        <p:nvSpPr>
+          <p:cNvPr id="151" name="Textfeld 150"/>
+          <p:cNvSpPr txBox="1"/>
+          <p:nvPr/>
+        </p:nvSpPr>
+        <p:spPr>
+          <a:xfrm>
+            <a:off x="5940152" y="4293096"/>
+            <a:ext cx="492443" cy="369332"/>
+          </a:xfrm>
+          <a:prstGeom prst="rect">
+            <a:avLst/>
+          </a:prstGeom>
+          <a:noFill/>
+        </p:spPr>
+        <p:txBody>
+          <a:bodyPr wrap="none" rtlCol="0">
+            <a:spAutoFit/>
+          </a:bodyPr>
+          <a:lstStyle/>
+          <a:p>
+            <a:r>
+              <a:rPr lang="de-DE" i="1" dirty="0" err="1" smtClean="0">
+                <a:latin typeface="Times New Roman" pitchFamily="18" charset="0"/>
+                <a:cs typeface="Times New Roman" pitchFamily="18" charset="0"/>
+              </a:rPr>
+              <a:t>C</a:t>
+            </a:r>
+            <a:r>
+              <a:rPr lang="de-DE" i="1" baseline="-25000" dirty="0" err="1" smtClean="0">
+                <a:latin typeface="Times New Roman" pitchFamily="18" charset="0"/>
+                <a:cs typeface="Times New Roman" pitchFamily="18" charset="0"/>
+              </a:rPr>
+              <a:t>gq</a:t>
+            </a:r>
+            <a:endParaRPr lang="de-DE" i="1" baseline="-25000" dirty="0">
+              <a:latin typeface="Times New Roman" pitchFamily="18" charset="0"/>
+              <a:cs typeface="Times New Roman" pitchFamily="18" charset="0"/>
+            </a:endParaRPr>
+          </a:p>
+        </p:txBody>
+      </p:sp>
+      <p:sp>
+        <p:nvSpPr>
+          <p:cNvPr id="152" name="Textfeld 151"/>
+          <p:cNvSpPr txBox="1"/>
+          <p:nvPr/>
+        </p:nvSpPr>
+        <p:spPr>
+          <a:xfrm>
+            <a:off x="3454054" y="4293096"/>
+            <a:ext cx="458780" cy="369332"/>
+          </a:xfrm>
+          <a:prstGeom prst="rect">
+            <a:avLst/>
+          </a:prstGeom>
+          <a:noFill/>
+        </p:spPr>
+        <p:txBody>
+          <a:bodyPr wrap="none" rtlCol="0">
+            <a:spAutoFit/>
+          </a:bodyPr>
+          <a:lstStyle/>
+          <a:p>
+            <a:r>
+              <a:rPr lang="de-DE" i="1" dirty="0" err="1" smtClean="0">
+                <a:latin typeface="Times New Roman" pitchFamily="18" charset="0"/>
+                <a:cs typeface="Times New Roman" pitchFamily="18" charset="0"/>
+              </a:rPr>
+              <a:t>C</a:t>
+            </a:r>
+            <a:r>
+              <a:rPr lang="de-DE" i="1" baseline="-25000" dirty="0" err="1" smtClean="0">
+                <a:latin typeface="Times New Roman"/>
+                <a:cs typeface="Times New Roman"/>
+              </a:rPr>
+              <a:t>in</a:t>
+            </a:r>
+            <a:endParaRPr lang="de-DE" i="1" baseline="-25000" dirty="0">
+              <a:latin typeface="Times New Roman" pitchFamily="18" charset="0"/>
+              <a:cs typeface="Times New Roman" pitchFamily="18" charset="0"/>
+            </a:endParaRPr>
+          </a:p>
+        </p:txBody>
+      </p:sp>
+      <p:grpSp>
+        <p:nvGrpSpPr>
+          <p:cNvPr id="153" name="Gruppieren 152"/>
+          <p:cNvGrpSpPr/>
+          <p:nvPr/>
+        </p:nvGrpSpPr>
+        <p:grpSpPr>
+          <a:xfrm rot="5400000">
+            <a:off x="3490058" y="4761148"/>
+            <a:ext cx="288032" cy="72008"/>
+            <a:chOff x="4644008" y="1844824"/>
+            <a:chExt cx="288032" cy="72008"/>
+          </a:xfrm>
+        </p:grpSpPr>
+        <p:cxnSp>
+          <p:nvCxnSpPr>
+            <p:cNvPr id="154" name="Gerade Verbindung 153"/>
+            <p:cNvCxnSpPr/>
+            <p:nvPr/>
+          </p:nvCxnSpPr>
+          <p:spPr>
+            <a:xfrm>
+              <a:off x="4644008" y="1916832"/>
+              <a:ext cx="288032" cy="0"/>
+            </a:xfrm>
+            <a:prstGeom prst="line">
+              <a:avLst/>
+            </a:prstGeom>
+            <a:ln w="19050">
+              <a:solidFill>
+                <a:schemeClr val="tx1"/>
+              </a:solidFill>
+            </a:ln>
+          </p:spPr>
+          <p:style>
+            <a:lnRef idx="1">
+              <a:schemeClr val="accent1"/>
+            </a:lnRef>
+            <a:fillRef idx="0">
+              <a:schemeClr val="accent1"/>
+            </a:fillRef>
+            <a:effectRef idx="0">
+              <a:schemeClr val="accent1"/>
+            </a:effectRef>
+            <a:fontRef idx="minor">
+              <a:schemeClr val="tx1"/>
+            </a:fontRef>
+          </p:style>
+        </p:cxnSp>
+        <p:cxnSp>
+          <p:nvCxnSpPr>
+            <p:cNvPr id="155" name="Gerade Verbindung 154"/>
+            <p:cNvCxnSpPr/>
+            <p:nvPr/>
+          </p:nvCxnSpPr>
+          <p:spPr>
+            <a:xfrm>
+              <a:off x="4644008" y="1844824"/>
+              <a:ext cx="288032" cy="0"/>
+            </a:xfrm>
+            <a:prstGeom prst="line">
+              <a:avLst/>
+            </a:prstGeom>
+            <a:ln w="19050">
+              <a:solidFill>
+                <a:schemeClr val="tx1"/>
+              </a:solidFill>
+            </a:ln>
+          </p:spPr>
+          <p:style>
+            <a:lnRef idx="1">
+              <a:schemeClr val="accent1"/>
+            </a:lnRef>
+            <a:fillRef idx="0">
+              <a:schemeClr val="accent1"/>
+            </a:fillRef>
+            <a:effectRef idx="0">
+              <a:schemeClr val="accent1"/>
+            </a:effectRef>
+            <a:fontRef idx="minor">
+              <a:schemeClr val="tx1"/>
+            </a:fontRef>
+          </p:style>
+        </p:cxnSp>
+      </p:grpSp>
+      <p:grpSp>
+        <p:nvGrpSpPr>
+          <p:cNvPr id="156" name="Gruppieren 155"/>
+          <p:cNvGrpSpPr/>
+          <p:nvPr/>
+        </p:nvGrpSpPr>
+        <p:grpSpPr>
+          <a:xfrm flipH="1">
+            <a:off x="2555776" y="4785652"/>
+            <a:ext cx="485838" cy="1589498"/>
+            <a:chOff x="1702918" y="2415566"/>
+            <a:chExt cx="485838" cy="1589498"/>
+          </a:xfrm>
+        </p:grpSpPr>
+        <p:cxnSp>
+          <p:nvCxnSpPr>
+            <p:cNvPr id="157" name="Gerade Verbindung 156"/>
+            <p:cNvCxnSpPr/>
+            <p:nvPr/>
+          </p:nvCxnSpPr>
+          <p:spPr>
+            <a:xfrm>
+              <a:off x="1985890" y="2420888"/>
+              <a:ext cx="8965" cy="1440160"/>
+            </a:xfrm>
+            <a:prstGeom prst="line">
+              <a:avLst/>
+            </a:prstGeom>
+            <a:ln w="19050">
+              <a:solidFill>
+                <a:schemeClr val="tx1"/>
+              </a:solidFill>
+              <a:headEnd type="none" w="med" len="med"/>
+              <a:tailEnd type="none" w="med" len="med"/>
+            </a:ln>
+          </p:spPr>
+          <p:style>
+            <a:lnRef idx="1">
+              <a:schemeClr val="accent1"/>
+            </a:lnRef>
+            <a:fillRef idx="0">
+              <a:schemeClr val="accent1"/>
+            </a:fillRef>
+            <a:effectRef idx="0">
+              <a:schemeClr val="accent1"/>
+            </a:effectRef>
+            <a:fontRef idx="minor">
+              <a:schemeClr val="tx1"/>
+            </a:fontRef>
+          </p:style>
+        </p:cxnSp>
+        <p:cxnSp>
+          <p:nvCxnSpPr>
+            <p:cNvPr id="158" name="Gerade Verbindung 157"/>
+            <p:cNvCxnSpPr/>
+            <p:nvPr/>
+          </p:nvCxnSpPr>
+          <p:spPr>
+            <a:xfrm>
+              <a:off x="1756708" y="3861048"/>
+              <a:ext cx="432048" cy="0"/>
+            </a:xfrm>
+            <a:prstGeom prst="line">
+              <a:avLst/>
+            </a:prstGeom>
+            <a:ln w="19050">
+              <a:solidFill>
+                <a:schemeClr val="tx1"/>
+              </a:solidFill>
+            </a:ln>
+          </p:spPr>
+          <p:style>
+            <a:lnRef idx="1">
+              <a:schemeClr val="accent1"/>
+            </a:lnRef>
+            <a:fillRef idx="0">
+              <a:schemeClr val="accent1"/>
+            </a:fillRef>
+            <a:effectRef idx="0">
+              <a:schemeClr val="accent1"/>
+            </a:effectRef>
+            <a:fontRef idx="minor">
+              <a:schemeClr val="tx1"/>
+            </a:fontRef>
+          </p:style>
+        </p:cxnSp>
+        <p:cxnSp>
+          <p:nvCxnSpPr>
+            <p:cNvPr id="159" name="Gerade Verbindung 158"/>
+            <p:cNvCxnSpPr/>
+            <p:nvPr/>
+          </p:nvCxnSpPr>
+          <p:spPr>
+            <a:xfrm flipH="1">
+              <a:off x="1828716" y="3933056"/>
+              <a:ext cx="288032" cy="0"/>
+            </a:xfrm>
+            <a:prstGeom prst="line">
+              <a:avLst/>
+            </a:prstGeom>
+            <a:ln w="19050">
+              <a:solidFill>
+                <a:schemeClr val="tx1"/>
+              </a:solidFill>
+            </a:ln>
+          </p:spPr>
+          <p:style>
+            <a:lnRef idx="1">
+              <a:schemeClr val="accent1"/>
+            </a:lnRef>
+            <a:fillRef idx="0">
+              <a:schemeClr val="accent1"/>
+            </a:fillRef>
+            <a:effectRef idx="0">
+              <a:schemeClr val="accent1"/>
+            </a:effectRef>
+            <a:fontRef idx="minor">
+              <a:schemeClr val="tx1"/>
+            </a:fontRef>
+          </p:style>
+        </p:cxnSp>
+        <p:cxnSp>
+          <p:nvCxnSpPr>
+            <p:cNvPr id="160" name="Gerade Verbindung 159"/>
+            <p:cNvCxnSpPr/>
+            <p:nvPr/>
+          </p:nvCxnSpPr>
+          <p:spPr>
+            <a:xfrm flipH="1">
+              <a:off x="1900724" y="4005064"/>
+              <a:ext cx="144016" cy="0"/>
+            </a:xfrm>
+            <a:prstGeom prst="line">
+              <a:avLst/>
+            </a:prstGeom>
+            <a:ln w="19050">
+              <a:solidFill>
+                <a:schemeClr val="tx1"/>
+              </a:solidFill>
+            </a:ln>
+          </p:spPr>
+          <p:style>
+            <a:lnRef idx="1">
+              <a:schemeClr val="accent1"/>
+            </a:lnRef>
+            <a:fillRef idx="0">
+              <a:schemeClr val="accent1"/>
+            </a:fillRef>
+            <a:effectRef idx="0">
+              <a:schemeClr val="accent1"/>
+            </a:effectRef>
+            <a:fontRef idx="minor">
+              <a:schemeClr val="tx1"/>
+            </a:fontRef>
+          </p:style>
+        </p:cxnSp>
+        <p:cxnSp>
+          <p:nvCxnSpPr>
+            <p:cNvPr id="161" name="Gerade Verbindung 160"/>
+            <p:cNvCxnSpPr/>
+            <p:nvPr/>
+          </p:nvCxnSpPr>
+          <p:spPr>
+            <a:xfrm flipH="1">
+              <a:off x="1702918" y="2415566"/>
+              <a:ext cx="288032" cy="0"/>
+            </a:xfrm>
+            <a:prstGeom prst="line">
+              <a:avLst/>
+            </a:prstGeom>
+            <a:ln w="19050">
+              <a:solidFill>
+                <a:schemeClr val="tx1"/>
+              </a:solidFill>
+            </a:ln>
+          </p:spPr>
+          <p:style>
+            <a:lnRef idx="1">
+              <a:schemeClr val="accent1"/>
+            </a:lnRef>
+            <a:fillRef idx="0">
+              <a:schemeClr val="accent1"/>
+            </a:fillRef>
+            <a:effectRef idx="0">
+              <a:schemeClr val="accent1"/>
+            </a:effectRef>
+            <a:fontRef idx="minor">
+              <a:schemeClr val="tx1"/>
+            </a:fontRef>
+          </p:style>
+        </p:cxnSp>
+      </p:grpSp>
+      <p:sp>
+        <p:nvSpPr>
+          <p:cNvPr id="162" name="Ellipse 161"/>
+          <p:cNvSpPr/>
+          <p:nvPr/>
+        </p:nvSpPr>
+        <p:spPr>
+          <a:xfrm>
+            <a:off x="3046838" y="4616068"/>
+            <a:ext cx="360040" cy="360040"/>
+          </a:xfrm>
+          <a:prstGeom prst="ellipse">
+            <a:avLst/>
+          </a:prstGeom>
+          <a:solidFill>
+            <a:schemeClr val="bg1"/>
+          </a:solidFill>
+          <a:ln w="19050">
+            <a:solidFill>
+              <a:schemeClr val="tx1"/>
+            </a:solidFill>
+          </a:ln>
+        </p:spPr>
+        <p:style>
+          <a:lnRef idx="2">
+            <a:schemeClr val="accent1">
+              <a:shade val="50000"/>
+            </a:schemeClr>
+          </a:lnRef>
+          <a:fillRef idx="1">
+            <a:schemeClr val="accent1"/>
+          </a:fillRef>
+          <a:effectRef idx="0">
+            <a:schemeClr val="accent1"/>
+          </a:effectRef>
+          <a:fontRef idx="minor">
+            <a:schemeClr val="lt1"/>
+          </a:fontRef>
+        </p:style>
+        <p:txBody>
+          <a:bodyPr rtlCol="0" anchor="ctr"/>
+          <a:lstStyle/>
+          <a:p>
+            <a:pPr algn="ctr"/>
+            <a:endParaRPr lang="de-DE" sz="1400" i="1" baseline="-25000" dirty="0">
+              <a:solidFill>
+                <a:schemeClr val="tx1"/>
+              </a:solidFill>
+              <a:latin typeface="Times New Roman" pitchFamily="18" charset="0"/>
+              <a:cs typeface="Times New Roman" pitchFamily="18" charset="0"/>
+            </a:endParaRPr>
+          </a:p>
+        </p:txBody>
+      </p:sp>
+      <p:sp>
+        <p:nvSpPr>
+          <p:cNvPr id="163" name="Rechteck 162"/>
+          <p:cNvSpPr/>
+          <p:nvPr/>
+        </p:nvSpPr>
+        <p:spPr>
+          <a:xfrm>
+            <a:off x="3029901" y="4632471"/>
+            <a:ext cx="373307" cy="307777"/>
+          </a:xfrm>
+          <a:prstGeom prst="rect">
+            <a:avLst/>
+          </a:prstGeom>
+          <a:ln w="19050">
+            <a:noFill/>
+          </a:ln>
+        </p:spPr>
+        <p:txBody>
+          <a:bodyPr wrap="none">
+            <a:spAutoFit/>
+          </a:bodyPr>
+          <a:lstStyle/>
+          <a:p>
+            <a:pPr algn="ctr"/>
+            <a:r>
+              <a:rPr lang="de-DE" sz="1400" i="1" dirty="0" smtClean="0">
+                <a:solidFill>
+                  <a:schemeClr val="tx1"/>
+                </a:solidFill>
+                <a:latin typeface="Times New Roman" pitchFamily="18" charset="0"/>
+                <a:cs typeface="Times New Roman" pitchFamily="18" charset="0"/>
+              </a:rPr>
+              <a:t>V</a:t>
+            </a:r>
+            <a:r>
+              <a:rPr lang="de-DE" sz="1400" i="1" baseline="-25000" dirty="0" smtClean="0">
+                <a:latin typeface="Times New Roman" pitchFamily="18" charset="0"/>
+                <a:cs typeface="Times New Roman" pitchFamily="18" charset="0"/>
+              </a:rPr>
+              <a:t>in</a:t>
+            </a:r>
+            <a:endParaRPr lang="de-DE" sz="2000" i="1" baseline="-25000" dirty="0">
+              <a:solidFill>
+                <a:schemeClr val="tx1"/>
+              </a:solidFill>
+              <a:latin typeface="Times New Roman" pitchFamily="18" charset="0"/>
+              <a:cs typeface="Times New Roman" pitchFamily="18" charset="0"/>
+            </a:endParaRPr>
+          </a:p>
+        </p:txBody>
+      </p:sp>
+      <p:sp>
+        <p:nvSpPr>
+          <p:cNvPr id="164" name="Textfeld 163"/>
+          <p:cNvSpPr txBox="1"/>
+          <p:nvPr/>
+        </p:nvSpPr>
+        <p:spPr>
+          <a:xfrm>
+            <a:off x="1691680" y="476672"/>
+            <a:ext cx="389850" cy="369332"/>
+          </a:xfrm>
+          <a:prstGeom prst="rect">
+            <a:avLst/>
+          </a:prstGeom>
+          <a:noFill/>
+        </p:spPr>
+        <p:txBody>
+          <a:bodyPr wrap="none" rtlCol="0">
+            <a:spAutoFit/>
+          </a:bodyPr>
+          <a:lstStyle/>
+          <a:p>
+            <a:r>
+              <a:rPr lang="de-DE" dirty="0" smtClean="0">
+                <a:latin typeface="Arial" pitchFamily="34" charset="0"/>
+                <a:cs typeface="Arial" pitchFamily="34" charset="0"/>
+              </a:rPr>
+              <a:t>a)</a:t>
+            </a:r>
+            <a:endParaRPr lang="de-DE" dirty="0">
+              <a:latin typeface="Arial" pitchFamily="34" charset="0"/>
+              <a:cs typeface="Arial" pitchFamily="34" charset="0"/>
+            </a:endParaRPr>
+          </a:p>
+        </p:txBody>
+      </p:sp>
+      <p:sp>
+        <p:nvSpPr>
+          <p:cNvPr id="165" name="Textfeld 164"/>
+          <p:cNvSpPr txBox="1"/>
+          <p:nvPr/>
+        </p:nvSpPr>
+        <p:spPr>
+          <a:xfrm>
+            <a:off x="1691680" y="4211796"/>
+            <a:ext cx="377026" cy="369332"/>
+          </a:xfrm>
+          <a:prstGeom prst="rect">
+            <a:avLst/>
+          </a:prstGeom>
+          <a:noFill/>
+        </p:spPr>
+        <p:txBody>
+          <a:bodyPr wrap="none" rtlCol="0">
+            <a:spAutoFit/>
+          </a:bodyPr>
+          <a:lstStyle/>
+          <a:p>
+            <a:r>
+              <a:rPr lang="de-DE" dirty="0" smtClean="0">
+                <a:latin typeface="Arial" pitchFamily="34" charset="0"/>
+                <a:cs typeface="Arial" pitchFamily="34" charset="0"/>
+              </a:rPr>
+              <a:t>c)</a:t>
+            </a:r>
+            <a:endParaRPr lang="de-DE" dirty="0">
+              <a:latin typeface="Arial" pitchFamily="34" charset="0"/>
+              <a:cs typeface="Arial" pitchFamily="34" charset="0"/>
+            </a:endParaRPr>
+          </a:p>
+        </p:txBody>
+      </p:sp>
+      <p:cxnSp>
+        <p:nvCxnSpPr>
+          <p:cNvPr id="167" name="Gerade Verbindung 166"/>
+          <p:cNvCxnSpPr/>
+          <p:nvPr/>
+        </p:nvCxnSpPr>
+        <p:spPr>
+          <a:xfrm>
+            <a:off x="1691680" y="4077072"/>
+            <a:ext cx="5616624" cy="0"/>
+          </a:xfrm>
+          <a:prstGeom prst="line">
+            <a:avLst/>
+          </a:prstGeom>
+          <a:ln>
+            <a:solidFill>
+              <a:schemeClr val="tx1"/>
+            </a:solidFill>
+            <a:prstDash val="lgDashDotDot"/>
+          </a:ln>
+        </p:spPr>
+        <p:style>
+          <a:lnRef idx="1">
+            <a:schemeClr val="accent1"/>
+          </a:lnRef>
+          <a:fillRef idx="0">
+            <a:schemeClr val="accent1"/>
+          </a:fillRef>
+          <a:effectRef idx="0">
+            <a:schemeClr val="accent1"/>
+          </a:effectRef>
+          <a:fontRef idx="minor">
+            <a:schemeClr val="tx1"/>
+          </a:fontRef>
+        </p:style>
+      </p:cxnSp>
+      <p:sp>
+        <p:nvSpPr>
+          <p:cNvPr id="168" name="Textfeld 167"/>
+          <p:cNvSpPr txBox="1"/>
+          <p:nvPr/>
+        </p:nvSpPr>
+        <p:spPr>
+          <a:xfrm>
+            <a:off x="1691680" y="1988840"/>
+            <a:ext cx="389850" cy="369332"/>
+          </a:xfrm>
+          <a:prstGeom prst="rect">
+            <a:avLst/>
+          </a:prstGeom>
+          <a:noFill/>
+        </p:spPr>
+        <p:txBody>
+          <a:bodyPr wrap="none" rtlCol="0">
+            <a:spAutoFit/>
+          </a:bodyPr>
+          <a:lstStyle/>
+          <a:p>
+            <a:r>
+              <a:rPr lang="de-DE" dirty="0" smtClean="0">
+                <a:latin typeface="Arial" pitchFamily="34" charset="0"/>
+                <a:cs typeface="Arial" pitchFamily="34" charset="0"/>
+              </a:rPr>
+              <a:t>b)</a:t>
+            </a:r>
+            <a:endParaRPr lang="de-DE" dirty="0">
+              <a:latin typeface="Arial" pitchFamily="34" charset="0"/>
+              <a:cs typeface="Arial" pitchFamily="34" charset="0"/>
+            </a:endParaRPr>
+          </a:p>
+        </p:txBody>
+      </p:sp>
+      <p:grpSp>
+        <p:nvGrpSpPr>
+          <p:cNvPr id="174" name="Gruppieren 173"/>
+          <p:cNvGrpSpPr/>
+          <p:nvPr/>
+        </p:nvGrpSpPr>
+        <p:grpSpPr>
+          <a:xfrm rot="10800000">
+            <a:off x="4427985" y="4167614"/>
+            <a:ext cx="792088" cy="637844"/>
+            <a:chOff x="1182295" y="5116948"/>
+            <a:chExt cx="792088" cy="637844"/>
+          </a:xfrm>
+        </p:grpSpPr>
+        <p:cxnSp>
+          <p:nvCxnSpPr>
+            <p:cNvPr id="166" name="Gerade Verbindung 165"/>
+            <p:cNvCxnSpPr/>
+            <p:nvPr/>
+          </p:nvCxnSpPr>
+          <p:spPr>
+            <a:xfrm>
+              <a:off x="1219363" y="5116948"/>
+              <a:ext cx="0" cy="576064"/>
+            </a:xfrm>
+            <a:prstGeom prst="line">
+              <a:avLst/>
+            </a:prstGeom>
+            <a:ln w="19050">
+              <a:solidFill>
+                <a:schemeClr val="tx1"/>
+              </a:solidFill>
+              <a:prstDash val="sysDash"/>
+            </a:ln>
+          </p:spPr>
+          <p:style>
+            <a:lnRef idx="1">
+              <a:schemeClr val="accent1"/>
+            </a:lnRef>
+            <a:fillRef idx="0">
+              <a:schemeClr val="accent1"/>
+            </a:fillRef>
+            <a:effectRef idx="0">
+              <a:schemeClr val="accent1"/>
+            </a:effectRef>
+            <a:fontRef idx="minor">
+              <a:schemeClr val="tx1"/>
+            </a:fontRef>
+          </p:style>
+        </p:cxnSp>
+        <p:sp>
+          <p:nvSpPr>
+            <p:cNvPr id="169" name="Ellipse 168"/>
+            <p:cNvSpPr/>
+            <p:nvPr/>
+          </p:nvSpPr>
+          <p:spPr>
+            <a:xfrm>
+              <a:off x="1182295" y="5682784"/>
+              <a:ext cx="72008" cy="72008"/>
+            </a:xfrm>
+            <a:prstGeom prst="ellipse">
+              <a:avLst/>
+            </a:prstGeom>
+            <a:noFill/>
+            <a:ln w="19050">
+              <a:solidFill>
+                <a:schemeClr val="tx1"/>
+              </a:solidFill>
+              <a:prstDash val="solid"/>
+            </a:ln>
+          </p:spPr>
+          <p:style>
+            <a:lnRef idx="2">
+              <a:schemeClr val="accent1">
+                <a:shade val="50000"/>
+              </a:schemeClr>
+            </a:lnRef>
+            <a:fillRef idx="1">
+              <a:schemeClr val="accent1"/>
+            </a:fillRef>
+            <a:effectRef idx="0">
+              <a:schemeClr val="accent1"/>
+            </a:effectRef>
+            <a:fontRef idx="minor">
+              <a:schemeClr val="lt1"/>
+            </a:fontRef>
+          </p:style>
+          <p:txBody>
+            <a:bodyPr rtlCol="0" anchor="ctr"/>
+            <a:lstStyle/>
+            <a:p>
+              <a:pPr algn="ctr"/>
+              <a:endParaRPr lang="de-DE"/>
+            </a:p>
+          </p:txBody>
+        </p:sp>
+        <p:sp>
+          <p:nvSpPr>
+            <p:cNvPr id="170" name="Textfeld 169"/>
+            <p:cNvSpPr txBox="1"/>
+            <p:nvPr/>
+          </p:nvSpPr>
+          <p:spPr>
+            <a:xfrm flipV="1">
+              <a:off x="1398320" y="5341278"/>
+              <a:ext cx="426720" cy="400110"/>
+            </a:xfrm>
+            <a:prstGeom prst="rect">
+              <a:avLst/>
+            </a:prstGeom>
+            <a:noFill/>
+          </p:spPr>
+          <p:txBody>
+            <a:bodyPr wrap="none" rtlCol="0">
+              <a:spAutoFit/>
+            </a:bodyPr>
+            <a:lstStyle/>
+            <a:p>
+              <a:r>
+                <a:rPr lang="de-DE" sz="2000" i="1" dirty="0" err="1" smtClean="0">
+                  <a:latin typeface="Times New Roman" pitchFamily="18" charset="0"/>
+                  <a:cs typeface="Times New Roman" pitchFamily="18" charset="0"/>
+                </a:rPr>
+                <a:t>V</a:t>
+              </a:r>
+              <a:r>
+                <a:rPr lang="de-DE" sz="2000" i="1" baseline="-25000" dirty="0" err="1" smtClean="0">
+                  <a:latin typeface="Times New Roman" pitchFamily="18" charset="0"/>
+                  <a:cs typeface="Times New Roman" pitchFamily="18" charset="0"/>
+                </a:rPr>
+                <a:t>g</a:t>
+              </a:r>
+              <a:endParaRPr lang="de-DE" sz="2000" i="1" baseline="-25000" dirty="0">
+                <a:latin typeface="Times New Roman" pitchFamily="18" charset="0"/>
+                <a:cs typeface="Times New Roman" pitchFamily="18" charset="0"/>
+              </a:endParaRPr>
+            </a:p>
+          </p:txBody>
+        </p:sp>
+        <p:cxnSp>
+          <p:nvCxnSpPr>
+            <p:cNvPr id="171" name="Gerade Verbindung 170"/>
+            <p:cNvCxnSpPr/>
+            <p:nvPr/>
+          </p:nvCxnSpPr>
+          <p:spPr>
+            <a:xfrm>
+              <a:off x="1939443" y="5116948"/>
+              <a:ext cx="0" cy="576064"/>
+            </a:xfrm>
+            <a:prstGeom prst="line">
+              <a:avLst/>
+            </a:prstGeom>
+            <a:ln w="19050">
+              <a:solidFill>
+                <a:schemeClr val="tx1"/>
+              </a:solidFill>
+              <a:prstDash val="sysDash"/>
+            </a:ln>
+          </p:spPr>
+          <p:style>
+            <a:lnRef idx="1">
+              <a:schemeClr val="accent1"/>
+            </a:lnRef>
+            <a:fillRef idx="0">
+              <a:schemeClr val="accent1"/>
+            </a:fillRef>
+            <a:effectRef idx="0">
+              <a:schemeClr val="accent1"/>
+            </a:effectRef>
+            <a:fontRef idx="minor">
+              <a:schemeClr val="tx1"/>
+            </a:fontRef>
+          </p:style>
+        </p:cxnSp>
+        <p:sp>
+          <p:nvSpPr>
+            <p:cNvPr id="172" name="Ellipse 171"/>
+            <p:cNvSpPr/>
+            <p:nvPr/>
+          </p:nvSpPr>
+          <p:spPr>
+            <a:xfrm>
+              <a:off x="1902375" y="5682784"/>
+              <a:ext cx="72008" cy="72008"/>
+            </a:xfrm>
+            <a:prstGeom prst="ellipse">
+              <a:avLst/>
+            </a:prstGeom>
+            <a:noFill/>
+            <a:ln w="19050">
+              <a:solidFill>
+                <a:schemeClr val="tx1"/>
+              </a:solidFill>
+              <a:prstDash val="solid"/>
+            </a:ln>
+          </p:spPr>
+          <p:style>
+            <a:lnRef idx="2">
+              <a:schemeClr val="accent1">
+                <a:shade val="50000"/>
+              </a:schemeClr>
+            </a:lnRef>
+            <a:fillRef idx="1">
+              <a:schemeClr val="accent1"/>
+            </a:fillRef>
+            <a:effectRef idx="0">
+              <a:schemeClr val="accent1"/>
+            </a:effectRef>
+            <a:fontRef idx="minor">
+              <a:schemeClr val="lt1"/>
+            </a:fontRef>
+          </p:style>
+          <p:txBody>
+            <a:bodyPr rtlCol="0" anchor="ctr"/>
+            <a:lstStyle/>
+            <a:p>
+              <a:pPr algn="ctr"/>
+              <a:endParaRPr lang="de-DE"/>
+            </a:p>
+          </p:txBody>
+        </p:sp>
+        <p:cxnSp>
+          <p:nvCxnSpPr>
+            <p:cNvPr id="173" name="Gerade Verbindung mit Pfeil 172"/>
+            <p:cNvCxnSpPr/>
+            <p:nvPr/>
+          </p:nvCxnSpPr>
+          <p:spPr>
+            <a:xfrm rot="10800000" flipH="1">
+              <a:off x="1254304" y="5717717"/>
+              <a:ext cx="648072" cy="1"/>
+            </a:xfrm>
+            <a:prstGeom prst="straightConnector1">
+              <a:avLst/>
+            </a:prstGeom>
+            <a:ln>
+              <a:solidFill>
+                <a:schemeClr val="tx1"/>
+              </a:solidFill>
+              <a:headEnd type="triangle" w="med" len="med"/>
+              <a:tailEnd type="none" w="med" len="med"/>
+            </a:ln>
+          </p:spPr>
+          <p:style>
+            <a:lnRef idx="1">
+              <a:schemeClr val="accent1"/>
+            </a:lnRef>
+            <a:fillRef idx="0">
+              <a:schemeClr val="accent1"/>
+            </a:fillRef>
+            <a:effectRef idx="0">
+              <a:schemeClr val="accent1"/>
+            </a:effectRef>
+            <a:fontRef idx="minor">
+              <a:schemeClr val="tx1"/>
+            </a:fontRef>
+          </p:style>
+        </p:cxnSp>
+      </p:grpSp>
     </p:spTree>
   </p:cSld>
   <p:clrMapOvr>

--- a/material/figures/introduction/cqed/cqed.pptx
+++ b/material/figures/introduction/cqed/cqed.pptx
@@ -4951,7 +4951,7 @@
         <p:spPr>
           <a:xfrm>
             <a:off x="5479342" y="3514081"/>
-            <a:ext cx="426720" cy="400110"/>
+            <a:ext cx="494046" cy="400110"/>
           </a:xfrm>
           <a:prstGeom prst="rect">
             <a:avLst/>
@@ -4976,7 +4976,7 @@
                 <a:latin typeface="Times New Roman" pitchFamily="18" charset="0"/>
                 <a:cs typeface="Times New Roman" pitchFamily="18" charset="0"/>
               </a:rPr>
-              <a:t>g</a:t>
+              <a:t>qr</a:t>
             </a:r>
             <a:endParaRPr lang="de-DE" sz="2000" i="1" baseline="-25000" dirty="0">
               <a:latin typeface="Times New Roman" pitchFamily="18" charset="0"/>
@@ -7935,8 +7935,8 @@
           </p:nvSpPr>
           <p:spPr>
             <a:xfrm flipV="1">
-              <a:off x="1398320" y="5341278"/>
-              <a:ext cx="426720" cy="400110"/>
+              <a:off x="1364657" y="5341278"/>
+              <a:ext cx="494046" cy="400110"/>
             </a:xfrm>
             <a:prstGeom prst="rect">
               <a:avLst/>
@@ -7961,7 +7961,7 @@
                   <a:latin typeface="Times New Roman" pitchFamily="18" charset="0"/>
                   <a:cs typeface="Times New Roman" pitchFamily="18" charset="0"/>
                 </a:rPr>
-                <a:t>g</a:t>
+                <a:t>qr</a:t>
               </a:r>
               <a:endParaRPr lang="de-DE" sz="2000" i="1" baseline="-25000" dirty="0">
                 <a:latin typeface="Times New Roman" pitchFamily="18" charset="0"/>

--- a/material/figures/introduction/cqed/cqed.pptx
+++ b/material/figures/introduction/cqed/cqed.pptx
@@ -289,7 +289,7 @@
             <a:fld id="{E233F2FC-336D-4AEC-8E34-B26C5DCCE050}" type="datetimeFigureOut">
               <a:rPr lang="de-DE" smtClean="0"/>
               <a:pPr/>
-              <a:t>12.07.2012</a:t>
+              <a:t>23.07.2012</a:t>
             </a:fld>
             <a:endParaRPr lang="de-DE"/>
           </a:p>
@@ -456,7 +456,7 @@
             <a:fld id="{E233F2FC-336D-4AEC-8E34-B26C5DCCE050}" type="datetimeFigureOut">
               <a:rPr lang="de-DE" smtClean="0"/>
               <a:pPr/>
-              <a:t>12.07.2012</a:t>
+              <a:t>23.07.2012</a:t>
             </a:fld>
             <a:endParaRPr lang="de-DE"/>
           </a:p>
@@ -633,7 +633,7 @@
             <a:fld id="{E233F2FC-336D-4AEC-8E34-B26C5DCCE050}" type="datetimeFigureOut">
               <a:rPr lang="de-DE" smtClean="0"/>
               <a:pPr/>
-              <a:t>12.07.2012</a:t>
+              <a:t>23.07.2012</a:t>
             </a:fld>
             <a:endParaRPr lang="de-DE"/>
           </a:p>
@@ -800,7 +800,7 @@
             <a:fld id="{E233F2FC-336D-4AEC-8E34-B26C5DCCE050}" type="datetimeFigureOut">
               <a:rPr lang="de-DE" smtClean="0"/>
               <a:pPr/>
-              <a:t>12.07.2012</a:t>
+              <a:t>23.07.2012</a:t>
             </a:fld>
             <a:endParaRPr lang="de-DE"/>
           </a:p>
@@ -1043,7 +1043,7 @@
             <a:fld id="{E233F2FC-336D-4AEC-8E34-B26C5DCCE050}" type="datetimeFigureOut">
               <a:rPr lang="de-DE" smtClean="0"/>
               <a:pPr/>
-              <a:t>12.07.2012</a:t>
+              <a:t>23.07.2012</a:t>
             </a:fld>
             <a:endParaRPr lang="de-DE"/>
           </a:p>
@@ -1328,7 +1328,7 @@
             <a:fld id="{E233F2FC-336D-4AEC-8E34-B26C5DCCE050}" type="datetimeFigureOut">
               <a:rPr lang="de-DE" smtClean="0"/>
               <a:pPr/>
-              <a:t>12.07.2012</a:t>
+              <a:t>23.07.2012</a:t>
             </a:fld>
             <a:endParaRPr lang="de-DE"/>
           </a:p>
@@ -1747,7 +1747,7 @@
             <a:fld id="{E233F2FC-336D-4AEC-8E34-B26C5DCCE050}" type="datetimeFigureOut">
               <a:rPr lang="de-DE" smtClean="0"/>
               <a:pPr/>
-              <a:t>12.07.2012</a:t>
+              <a:t>23.07.2012</a:t>
             </a:fld>
             <a:endParaRPr lang="de-DE"/>
           </a:p>
@@ -1862,7 +1862,7 @@
             <a:fld id="{E233F2FC-336D-4AEC-8E34-B26C5DCCE050}" type="datetimeFigureOut">
               <a:rPr lang="de-DE" smtClean="0"/>
               <a:pPr/>
-              <a:t>12.07.2012</a:t>
+              <a:t>23.07.2012</a:t>
             </a:fld>
             <a:endParaRPr lang="de-DE"/>
           </a:p>
@@ -1954,7 +1954,7 @@
             <a:fld id="{E233F2FC-336D-4AEC-8E34-B26C5DCCE050}" type="datetimeFigureOut">
               <a:rPr lang="de-DE" smtClean="0"/>
               <a:pPr/>
-              <a:t>12.07.2012</a:t>
+              <a:t>23.07.2012</a:t>
             </a:fld>
             <a:endParaRPr lang="de-DE"/>
           </a:p>
@@ -2228,7 +2228,7 @@
             <a:fld id="{E233F2FC-336D-4AEC-8E34-B26C5DCCE050}" type="datetimeFigureOut">
               <a:rPr lang="de-DE" smtClean="0"/>
               <a:pPr/>
-              <a:t>12.07.2012</a:t>
+              <a:t>23.07.2012</a:t>
             </a:fld>
             <a:endParaRPr lang="de-DE"/>
           </a:p>
@@ -2478,7 +2478,7 @@
             <a:fld id="{E233F2FC-336D-4AEC-8E34-B26C5DCCE050}" type="datetimeFigureOut">
               <a:rPr lang="de-DE" smtClean="0"/>
               <a:pPr/>
-              <a:t>12.07.2012</a:t>
+              <a:t>23.07.2012</a:t>
             </a:fld>
             <a:endParaRPr lang="de-DE"/>
           </a:p>
@@ -2688,7 +2688,7 @@
             <a:fld id="{E233F2FC-336D-4AEC-8E34-B26C5DCCE050}" type="datetimeFigureOut">
               <a:rPr lang="de-DE" smtClean="0"/>
               <a:pPr/>
-              <a:t>12.07.2012</a:t>
+              <a:t>23.07.2012</a:t>
             </a:fld>
             <a:endParaRPr lang="de-DE"/>
           </a:p>
@@ -4767,98 +4767,6 @@
           </p:txBody>
         </p:sp>
       </p:grpSp>
-      <p:pic>
-        <p:nvPicPr>
-          <p:cNvPr id="1026" name="Picture 2"/>
-          <p:cNvPicPr>
-            <a:picLocks noChangeAspect="1" noChangeArrowheads="1"/>
-          </p:cNvPicPr>
-          <p:nvPr/>
-        </p:nvPicPr>
-        <p:blipFill>
-          <a:blip r:embed="rId2" cstate="print">
-            <a:grayscl/>
-          </a:blip>
-          <a:srcRect/>
-          <a:stretch>
-            <a:fillRect/>
-          </a:stretch>
-        </p:blipFill>
-        <p:spPr bwMode="auto">
-          <a:xfrm rot="10800000">
-            <a:off x="1855011" y="908721"/>
-            <a:ext cx="2478545" cy="1008113"/>
-          </a:xfrm>
-          <a:prstGeom prst="rect">
-            <a:avLst/>
-          </a:prstGeom>
-          <a:noFill/>
-          <a:ln w="9525">
-            <a:noFill/>
-            <a:miter lim="800000"/>
-            <a:headEnd/>
-            <a:tailEnd/>
-          </a:ln>
-        </p:spPr>
-      </p:pic>
-      <p:pic>
-        <p:nvPicPr>
-          <p:cNvPr id="1027" name="Picture 3"/>
-          <p:cNvPicPr>
-            <a:picLocks noChangeAspect="1" noChangeArrowheads="1"/>
-          </p:cNvPicPr>
-          <p:nvPr/>
-        </p:nvPicPr>
-        <p:blipFill>
-          <a:blip r:embed="rId3" cstate="print"/>
-          <a:srcRect/>
-          <a:stretch>
-            <a:fillRect/>
-          </a:stretch>
-        </p:blipFill>
-        <p:spPr bwMode="auto">
-          <a:xfrm>
-            <a:off x="4379534" y="908723"/>
-            <a:ext cx="1488610" cy="1011828"/>
-          </a:xfrm>
-          <a:prstGeom prst="rect">
-            <a:avLst/>
-          </a:prstGeom>
-          <a:noFill/>
-          <a:ln w="9525">
-            <a:noFill/>
-            <a:miter lim="800000"/>
-            <a:headEnd/>
-            <a:tailEnd/>
-          </a:ln>
-        </p:spPr>
-      </p:pic>
-      <p:pic>
-        <p:nvPicPr>
-          <p:cNvPr id="1028" name="Picture 4" descr="E:\cygwin\home\adewes\thesis\material\photos\xl30\coupledT\CT18.TIF"/>
-          <p:cNvPicPr>
-            <a:picLocks noChangeAspect="1" noChangeArrowheads="1"/>
-          </p:cNvPicPr>
-          <p:nvPr/>
-        </p:nvPicPr>
-        <p:blipFill>
-          <a:blip r:embed="rId4" cstate="print"/>
-          <a:srcRect/>
-          <a:stretch>
-            <a:fillRect/>
-          </a:stretch>
-        </p:blipFill>
-        <p:spPr bwMode="auto">
-          <a:xfrm>
-            <a:off x="5963710" y="908723"/>
-            <a:ext cx="1344594" cy="1008112"/>
-          </a:xfrm>
-          <a:prstGeom prst="rect">
-            <a:avLst/>
-          </a:prstGeom>
-          <a:noFill/>
-        </p:spPr>
-      </p:pic>
       <p:cxnSp>
         <p:nvCxnSpPr>
           <p:cNvPr id="55" name="Gerade Verbindung 54"/>
@@ -7688,13 +7596,13 @@
       </p:sp>
       <p:sp>
         <p:nvSpPr>
-          <p:cNvPr id="164" name="Textfeld 163"/>
+          <p:cNvPr id="165" name="Textfeld 164"/>
           <p:cNvSpPr txBox="1"/>
           <p:nvPr/>
         </p:nvSpPr>
         <p:spPr>
           <a:xfrm>
-            <a:off x="1691680" y="476672"/>
+            <a:off x="1691680" y="4211796"/>
             <a:ext cx="389850" cy="369332"/>
           </a:xfrm>
           <a:prstGeom prst="rect">
@@ -7713,43 +7621,14 @@
                 <a:latin typeface="Arial" pitchFamily="34" charset="0"/>
                 <a:cs typeface="Arial" pitchFamily="34" charset="0"/>
               </a:rPr>
-              <a:t>a)</a:t>
-            </a:r>
-            <a:endParaRPr lang="de-DE" dirty="0">
-              <a:latin typeface="Arial" pitchFamily="34" charset="0"/>
-              <a:cs typeface="Arial" pitchFamily="34" charset="0"/>
-            </a:endParaRPr>
-          </a:p>
-        </p:txBody>
-      </p:sp>
-      <p:sp>
-        <p:nvSpPr>
-          <p:cNvPr id="165" name="Textfeld 164"/>
-          <p:cNvSpPr txBox="1"/>
-          <p:nvPr/>
-        </p:nvSpPr>
-        <p:spPr>
-          <a:xfrm>
-            <a:off x="1691680" y="4211796"/>
-            <a:ext cx="377026" cy="369332"/>
-          </a:xfrm>
-          <a:prstGeom prst="rect">
-            <a:avLst/>
-          </a:prstGeom>
-          <a:noFill/>
-        </p:spPr>
-        <p:txBody>
-          <a:bodyPr wrap="none" rtlCol="0">
-            <a:spAutoFit/>
-          </a:bodyPr>
-          <a:lstStyle/>
-          <a:p>
-            <a:r>
-              <a:rPr lang="de-DE" dirty="0" smtClean="0">
+              <a:t>b</a:t>
+            </a:r>
+            <a:r>
+              <a:rPr lang="de-DE" smtClean="0">
                 <a:latin typeface="Arial" pitchFamily="34" charset="0"/>
                 <a:cs typeface="Arial" pitchFamily="34" charset="0"/>
               </a:rPr>
-              <a:t>c)</a:t>
+              <a:t>)</a:t>
             </a:r>
             <a:endParaRPr lang="de-DE" dirty="0">
               <a:latin typeface="Arial" pitchFamily="34" charset="0"/>
@@ -7821,7 +7700,14 @@
                 <a:latin typeface="Arial" pitchFamily="34" charset="0"/>
                 <a:cs typeface="Arial" pitchFamily="34" charset="0"/>
               </a:rPr>
-              <a:t>b)</a:t>
+              <a:t>a</a:t>
+            </a:r>
+            <a:r>
+              <a:rPr lang="de-DE" dirty="0" smtClean="0">
+                <a:latin typeface="Arial" pitchFamily="34" charset="0"/>
+                <a:cs typeface="Arial" pitchFamily="34" charset="0"/>
+              </a:rPr>
+              <a:t>)</a:t>
             </a:r>
             <a:endParaRPr lang="de-DE" dirty="0">
               <a:latin typeface="Arial" pitchFamily="34" charset="0"/>

--- a/material/figures/introduction/cqed/cqed.pptx
+++ b/material/figures/introduction/cqed/cqed.pptx
@@ -289,7 +289,7 @@
             <a:fld id="{E233F2FC-336D-4AEC-8E34-B26C5DCCE050}" type="datetimeFigureOut">
               <a:rPr lang="de-DE" smtClean="0"/>
               <a:pPr/>
-              <a:t>23.07.2012</a:t>
+              <a:t>27.09.2012</a:t>
             </a:fld>
             <a:endParaRPr lang="de-DE"/>
           </a:p>
@@ -456,7 +456,7 @@
             <a:fld id="{E233F2FC-336D-4AEC-8E34-B26C5DCCE050}" type="datetimeFigureOut">
               <a:rPr lang="de-DE" smtClean="0"/>
               <a:pPr/>
-              <a:t>23.07.2012</a:t>
+              <a:t>27.09.2012</a:t>
             </a:fld>
             <a:endParaRPr lang="de-DE"/>
           </a:p>
@@ -633,7 +633,7 @@
             <a:fld id="{E233F2FC-336D-4AEC-8E34-B26C5DCCE050}" type="datetimeFigureOut">
               <a:rPr lang="de-DE" smtClean="0"/>
               <a:pPr/>
-              <a:t>23.07.2012</a:t>
+              <a:t>27.09.2012</a:t>
             </a:fld>
             <a:endParaRPr lang="de-DE"/>
           </a:p>
@@ -800,7 +800,7 @@
             <a:fld id="{E233F2FC-336D-4AEC-8E34-B26C5DCCE050}" type="datetimeFigureOut">
               <a:rPr lang="de-DE" smtClean="0"/>
               <a:pPr/>
-              <a:t>23.07.2012</a:t>
+              <a:t>27.09.2012</a:t>
             </a:fld>
             <a:endParaRPr lang="de-DE"/>
           </a:p>
@@ -1043,7 +1043,7 @@
             <a:fld id="{E233F2FC-336D-4AEC-8E34-B26C5DCCE050}" type="datetimeFigureOut">
               <a:rPr lang="de-DE" smtClean="0"/>
               <a:pPr/>
-              <a:t>23.07.2012</a:t>
+              <a:t>27.09.2012</a:t>
             </a:fld>
             <a:endParaRPr lang="de-DE"/>
           </a:p>
@@ -1328,7 +1328,7 @@
             <a:fld id="{E233F2FC-336D-4AEC-8E34-B26C5DCCE050}" type="datetimeFigureOut">
               <a:rPr lang="de-DE" smtClean="0"/>
               <a:pPr/>
-              <a:t>23.07.2012</a:t>
+              <a:t>27.09.2012</a:t>
             </a:fld>
             <a:endParaRPr lang="de-DE"/>
           </a:p>
@@ -1747,7 +1747,7 @@
             <a:fld id="{E233F2FC-336D-4AEC-8E34-B26C5DCCE050}" type="datetimeFigureOut">
               <a:rPr lang="de-DE" smtClean="0"/>
               <a:pPr/>
-              <a:t>23.07.2012</a:t>
+              <a:t>27.09.2012</a:t>
             </a:fld>
             <a:endParaRPr lang="de-DE"/>
           </a:p>
@@ -1862,7 +1862,7 @@
             <a:fld id="{E233F2FC-336D-4AEC-8E34-B26C5DCCE050}" type="datetimeFigureOut">
               <a:rPr lang="de-DE" smtClean="0"/>
               <a:pPr/>
-              <a:t>23.07.2012</a:t>
+              <a:t>27.09.2012</a:t>
             </a:fld>
             <a:endParaRPr lang="de-DE"/>
           </a:p>
@@ -1954,7 +1954,7 @@
             <a:fld id="{E233F2FC-336D-4AEC-8E34-B26C5DCCE050}" type="datetimeFigureOut">
               <a:rPr lang="de-DE" smtClean="0"/>
               <a:pPr/>
-              <a:t>23.07.2012</a:t>
+              <a:t>27.09.2012</a:t>
             </a:fld>
             <a:endParaRPr lang="de-DE"/>
           </a:p>
@@ -2228,7 +2228,7 @@
             <a:fld id="{E233F2FC-336D-4AEC-8E34-B26C5DCCE050}" type="datetimeFigureOut">
               <a:rPr lang="de-DE" smtClean="0"/>
               <a:pPr/>
-              <a:t>23.07.2012</a:t>
+              <a:t>27.09.2012</a:t>
             </a:fld>
             <a:endParaRPr lang="de-DE"/>
           </a:p>
@@ -2478,7 +2478,7 @@
             <a:fld id="{E233F2FC-336D-4AEC-8E34-B26C5DCCE050}" type="datetimeFigureOut">
               <a:rPr lang="de-DE" smtClean="0"/>
               <a:pPr/>
-              <a:t>23.07.2012</a:t>
+              <a:t>27.09.2012</a:t>
             </a:fld>
             <a:endParaRPr lang="de-DE"/>
           </a:p>
@@ -2688,7 +2688,7 @@
             <a:fld id="{E233F2FC-336D-4AEC-8E34-B26C5DCCE050}" type="datetimeFigureOut">
               <a:rPr lang="de-DE" smtClean="0"/>
               <a:pPr/>
-              <a:t>23.07.2012</a:t>
+              <a:t>27.09.2012</a:t>
             </a:fld>
             <a:endParaRPr lang="de-DE"/>
           </a:p>
@@ -4688,8 +4688,8 @@
           </p:nvSpPr>
           <p:spPr>
             <a:xfrm rot="5400000">
-              <a:off x="4821729" y="3958974"/>
-              <a:ext cx="457176" cy="400110"/>
+              <a:off x="4834553" y="3946151"/>
+              <a:ext cx="431528" cy="400110"/>
             </a:xfrm>
             <a:prstGeom prst="rect">
               <a:avLst/>
@@ -4710,11 +4710,11 @@
                 <a:t>C</a:t>
               </a:r>
               <a:r>
-                <a:rPr lang="el-GR" sz="2000" i="1" baseline="-25000" dirty="0" smtClean="0">
+                <a:rPr lang="de-DE" sz="2000" i="1" baseline="-25000" dirty="0" smtClean="0">
                   <a:latin typeface="Times New Roman"/>
                   <a:cs typeface="Times New Roman"/>
                 </a:rPr>
-                <a:t>Σ</a:t>
+                <a:t>J</a:t>
               </a:r>
               <a:endParaRPr lang="de-DE" sz="2000" i="1" baseline="-25000" dirty="0">
                 <a:latin typeface="Times New Roman" pitchFamily="18" charset="0"/>
@@ -4767,89 +4767,6 @@
           </p:txBody>
         </p:sp>
       </p:grpSp>
-      <p:cxnSp>
-        <p:nvCxnSpPr>
-          <p:cNvPr id="55" name="Gerade Verbindung 54"/>
-          <p:cNvCxnSpPr/>
-          <p:nvPr/>
-        </p:nvCxnSpPr>
-        <p:spPr>
-          <a:xfrm>
-            <a:off x="5580112" y="2825765"/>
-            <a:ext cx="0" cy="576064"/>
-          </a:xfrm>
-          <a:prstGeom prst="line">
-            <a:avLst/>
-          </a:prstGeom>
-          <a:ln w="19050">
-            <a:solidFill>
-              <a:schemeClr val="tx1"/>
-            </a:solidFill>
-            <a:prstDash val="sysDash"/>
-          </a:ln>
-        </p:spPr>
-        <p:style>
-          <a:lnRef idx="1">
-            <a:schemeClr val="accent1"/>
-          </a:lnRef>
-          <a:fillRef idx="0">
-            <a:schemeClr val="accent1"/>
-          </a:fillRef>
-          <a:effectRef idx="0">
-            <a:schemeClr val="accent1"/>
-          </a:effectRef>
-          <a:fontRef idx="minor">
-            <a:schemeClr val="tx1"/>
-          </a:fontRef>
-        </p:style>
-      </p:cxnSp>
-      <p:sp>
-        <p:nvSpPr>
-          <p:cNvPr id="56" name="Ellipse 55"/>
-          <p:cNvSpPr/>
-          <p:nvPr/>
-        </p:nvSpPr>
-        <p:spPr>
-          <a:xfrm>
-            <a:off x="5543044" y="3391601"/>
-            <a:ext cx="72008" cy="72008"/>
-          </a:xfrm>
-          <a:prstGeom prst="ellipse">
-            <a:avLst/>
-          </a:prstGeom>
-          <a:noFill/>
-          <a:ln w="19050">
-            <a:solidFill>
-              <a:schemeClr val="tx1"/>
-            </a:solidFill>
-            <a:prstDash val="solid"/>
-          </a:ln>
-        </p:spPr>
-        <p:style>
-          <a:lnRef idx="2">
-            <a:schemeClr val="accent1">
-              <a:shade val="50000"/>
-            </a:schemeClr>
-          </a:lnRef>
-          <a:fillRef idx="1">
-            <a:schemeClr val="accent1"/>
-          </a:fillRef>
-          <a:effectRef idx="0">
-            <a:schemeClr val="accent1"/>
-          </a:effectRef>
-          <a:fontRef idx="minor">
-            <a:schemeClr val="lt1"/>
-          </a:fontRef>
-        </p:style>
-        <p:txBody>
-          <a:bodyPr rtlCol="0" anchor="ctr"/>
-          <a:lstStyle/>
-          <a:p>
-            <a:pPr algn="ctr"/>
-            <a:endParaRPr lang="de-DE"/>
-          </a:p>
-        </p:txBody>
-      </p:sp>
       <p:sp>
         <p:nvSpPr>
           <p:cNvPr id="57" name="Textfeld 56"/>
@@ -4858,7 +4775,7 @@
         </p:nvSpPr>
         <p:spPr>
           <a:xfrm>
-            <a:off x="5479342" y="3514081"/>
+            <a:off x="5457826" y="3039648"/>
             <a:ext cx="494046" cy="400110"/>
           </a:xfrm>
           <a:prstGeom prst="rect">
@@ -4895,96 +4812,13 @@
       </p:sp>
       <p:cxnSp>
         <p:nvCxnSpPr>
-          <p:cNvPr id="62" name="Gerade Verbindung 61"/>
-          <p:cNvCxnSpPr/>
-          <p:nvPr/>
-        </p:nvCxnSpPr>
-        <p:spPr>
-          <a:xfrm>
-            <a:off x="5789958" y="2825765"/>
-            <a:ext cx="0" cy="576064"/>
-          </a:xfrm>
-          <a:prstGeom prst="line">
-            <a:avLst/>
-          </a:prstGeom>
-          <a:ln w="19050">
-            <a:solidFill>
-              <a:schemeClr val="tx1"/>
-            </a:solidFill>
-            <a:prstDash val="sysDash"/>
-          </a:ln>
-        </p:spPr>
-        <p:style>
-          <a:lnRef idx="1">
-            <a:schemeClr val="accent1"/>
-          </a:lnRef>
-          <a:fillRef idx="0">
-            <a:schemeClr val="accent1"/>
-          </a:fillRef>
-          <a:effectRef idx="0">
-            <a:schemeClr val="accent1"/>
-          </a:effectRef>
-          <a:fontRef idx="minor">
-            <a:schemeClr val="tx1"/>
-          </a:fontRef>
-        </p:style>
-      </p:cxnSp>
-      <p:sp>
-        <p:nvSpPr>
-          <p:cNvPr id="63" name="Ellipse 62"/>
-          <p:cNvSpPr/>
-          <p:nvPr/>
-        </p:nvSpPr>
-        <p:spPr>
-          <a:xfrm>
-            <a:off x="5752890" y="3391601"/>
-            <a:ext cx="72008" cy="72008"/>
-          </a:xfrm>
-          <a:prstGeom prst="ellipse">
-            <a:avLst/>
-          </a:prstGeom>
-          <a:noFill/>
-          <a:ln w="19050">
-            <a:solidFill>
-              <a:schemeClr val="tx1"/>
-            </a:solidFill>
-            <a:prstDash val="solid"/>
-          </a:ln>
-        </p:spPr>
-        <p:style>
-          <a:lnRef idx="2">
-            <a:schemeClr val="accent1">
-              <a:shade val="50000"/>
-            </a:schemeClr>
-          </a:lnRef>
-          <a:fillRef idx="1">
-            <a:schemeClr val="accent1"/>
-          </a:fillRef>
-          <a:effectRef idx="0">
-            <a:schemeClr val="accent1"/>
-          </a:effectRef>
-          <a:fontRef idx="minor">
-            <a:schemeClr val="lt1"/>
-          </a:fontRef>
-        </p:style>
-        <p:txBody>
-          <a:bodyPr rtlCol="0" anchor="ctr"/>
-          <a:lstStyle/>
-          <a:p>
-            <a:pPr algn="ctr"/>
-            <a:endParaRPr lang="de-DE"/>
-          </a:p>
-        </p:txBody>
-      </p:sp>
-      <p:cxnSp>
-        <p:nvCxnSpPr>
           <p:cNvPr id="66" name="Gerade Verbindung mit Pfeil 65"/>
           <p:cNvCxnSpPr/>
           <p:nvPr/>
         </p:nvCxnSpPr>
         <p:spPr>
           <a:xfrm>
-            <a:off x="5555400" y="3547973"/>
+            <a:off x="5533884" y="3073540"/>
             <a:ext cx="288032" cy="0"/>
           </a:xfrm>
           <a:prstGeom prst="straightConnector1">
@@ -6247,7 +6081,7 @@
         <p:spPr>
           <a:xfrm>
             <a:off x="4508292" y="5411220"/>
-            <a:ext cx="429926" cy="369332"/>
+            <a:ext cx="407484" cy="369332"/>
           </a:xfrm>
           <a:prstGeom prst="rect">
             <a:avLst/>
@@ -6268,11 +6102,11 @@
               <a:t>C</a:t>
             </a:r>
             <a:r>
-              <a:rPr lang="el-GR" i="1" baseline="-25000" dirty="0" smtClean="0">
+              <a:rPr lang="de-DE" i="1" baseline="-25000" dirty="0" smtClean="0">
                 <a:latin typeface="Times New Roman"/>
                 <a:cs typeface="Times New Roman"/>
               </a:rPr>
-              <a:t>Σ</a:t>
+              <a:t>J</a:t>
             </a:r>
             <a:endParaRPr lang="de-DE" i="1" baseline="-25000" dirty="0">
               <a:latin typeface="Times New Roman" pitchFamily="18" charset="0"/>
@@ -7700,14 +7534,7 @@
                 <a:latin typeface="Arial" pitchFamily="34" charset="0"/>
                 <a:cs typeface="Arial" pitchFamily="34" charset="0"/>
               </a:rPr>
-              <a:t>a</a:t>
-            </a:r>
-            <a:r>
-              <a:rPr lang="de-DE" dirty="0" smtClean="0">
-                <a:latin typeface="Arial" pitchFamily="34" charset="0"/>
-                <a:cs typeface="Arial" pitchFamily="34" charset="0"/>
-              </a:rPr>
-              <a:t>)</a:t>
+              <a:t>a)</a:t>
             </a:r>
             <a:endParaRPr lang="de-DE" dirty="0">
               <a:latin typeface="Arial" pitchFamily="34" charset="0"/>
@@ -7716,267 +7543,86 @@
           </a:p>
         </p:txBody>
       </p:sp>
-      <p:grpSp>
-        <p:nvGrpSpPr>
-          <p:cNvPr id="174" name="Gruppieren 173"/>
-          <p:cNvGrpSpPr/>
-          <p:nvPr/>
-        </p:nvGrpSpPr>
-        <p:grpSpPr>
-          <a:xfrm rot="10800000">
-            <a:off x="4427985" y="4167614"/>
-            <a:ext cx="792088" cy="637844"/>
-            <a:chOff x="1182295" y="5116948"/>
-            <a:chExt cx="792088" cy="637844"/>
-          </a:xfrm>
-        </p:grpSpPr>
-        <p:cxnSp>
-          <p:nvCxnSpPr>
-            <p:cNvPr id="166" name="Gerade Verbindung 165"/>
-            <p:cNvCxnSpPr/>
-            <p:nvPr/>
-          </p:nvCxnSpPr>
-          <p:spPr>
-            <a:xfrm>
-              <a:off x="1219363" y="5116948"/>
-              <a:ext cx="0" cy="576064"/>
-            </a:xfrm>
-            <a:prstGeom prst="line">
-              <a:avLst/>
-            </a:prstGeom>
-            <a:ln w="19050">
-              <a:solidFill>
-                <a:schemeClr val="tx1"/>
-              </a:solidFill>
-              <a:prstDash val="sysDash"/>
-            </a:ln>
-          </p:spPr>
-          <p:style>
-            <a:lnRef idx="1">
-              <a:schemeClr val="accent1"/>
-            </a:lnRef>
-            <a:fillRef idx="0">
-              <a:schemeClr val="accent1"/>
-            </a:fillRef>
-            <a:effectRef idx="0">
-              <a:schemeClr val="accent1"/>
-            </a:effectRef>
-            <a:fontRef idx="minor">
-              <a:schemeClr val="tx1"/>
-            </a:fontRef>
-          </p:style>
-        </p:cxnSp>
-        <p:sp>
-          <p:nvSpPr>
-            <p:cNvPr id="169" name="Ellipse 168"/>
-            <p:cNvSpPr/>
-            <p:nvPr/>
-          </p:nvSpPr>
-          <p:spPr>
-            <a:xfrm>
-              <a:off x="1182295" y="5682784"/>
-              <a:ext cx="72008" cy="72008"/>
-            </a:xfrm>
-            <a:prstGeom prst="ellipse">
-              <a:avLst/>
-            </a:prstGeom>
-            <a:noFill/>
-            <a:ln w="19050">
-              <a:solidFill>
-                <a:schemeClr val="tx1"/>
-              </a:solidFill>
-              <a:prstDash val="solid"/>
-            </a:ln>
-          </p:spPr>
-          <p:style>
-            <a:lnRef idx="2">
-              <a:schemeClr val="accent1">
-                <a:shade val="50000"/>
-              </a:schemeClr>
-            </a:lnRef>
-            <a:fillRef idx="1">
-              <a:schemeClr val="accent1"/>
-            </a:fillRef>
-            <a:effectRef idx="0">
-              <a:schemeClr val="accent1"/>
-            </a:effectRef>
-            <a:fontRef idx="minor">
-              <a:schemeClr val="lt1"/>
-            </a:fontRef>
-          </p:style>
-          <p:txBody>
-            <a:bodyPr rtlCol="0" anchor="ctr"/>
-            <a:lstStyle/>
-            <a:p>
-              <a:pPr algn="ctr"/>
-              <a:endParaRPr lang="de-DE"/>
-            </a:p>
-          </p:txBody>
-        </p:sp>
-        <p:sp>
-          <p:nvSpPr>
-            <p:cNvPr id="170" name="Textfeld 169"/>
-            <p:cNvSpPr txBox="1"/>
-            <p:nvPr/>
-          </p:nvSpPr>
-          <p:spPr>
-            <a:xfrm flipV="1">
-              <a:off x="1364657" y="5341278"/>
-              <a:ext cx="494046" cy="400110"/>
-            </a:xfrm>
-            <a:prstGeom prst="rect">
-              <a:avLst/>
-            </a:prstGeom>
-            <a:noFill/>
-          </p:spPr>
-          <p:txBody>
-            <a:bodyPr wrap="none" rtlCol="0">
-              <a:spAutoFit/>
-            </a:bodyPr>
-            <a:lstStyle/>
-            <a:p>
-              <a:r>
-                <a:rPr lang="de-DE" sz="2000" i="1" dirty="0" err="1" smtClean="0">
-                  <a:latin typeface="Times New Roman" pitchFamily="18" charset="0"/>
-                  <a:cs typeface="Times New Roman" pitchFamily="18" charset="0"/>
-                </a:rPr>
-                <a:t>V</a:t>
-              </a:r>
-              <a:r>
-                <a:rPr lang="de-DE" sz="2000" i="1" baseline="-25000" dirty="0" err="1" smtClean="0">
-                  <a:latin typeface="Times New Roman" pitchFamily="18" charset="0"/>
-                  <a:cs typeface="Times New Roman" pitchFamily="18" charset="0"/>
-                </a:rPr>
-                <a:t>qr</a:t>
-              </a:r>
-              <a:endParaRPr lang="de-DE" sz="2000" i="1" baseline="-25000" dirty="0">
+      <p:sp>
+        <p:nvSpPr>
+          <p:cNvPr id="170" name="Textfeld 169"/>
+          <p:cNvSpPr txBox="1"/>
+          <p:nvPr/>
+        </p:nvSpPr>
+        <p:spPr>
+          <a:xfrm rot="10800000" flipV="1">
+            <a:off x="4543665" y="4181018"/>
+            <a:ext cx="494046" cy="400110"/>
+          </a:xfrm>
+          <a:prstGeom prst="rect">
+            <a:avLst/>
+          </a:prstGeom>
+          <a:noFill/>
+        </p:spPr>
+        <p:txBody>
+          <a:bodyPr wrap="none" rtlCol="0">
+            <a:spAutoFit/>
+          </a:bodyPr>
+          <a:lstStyle/>
+          <a:p>
+            <a:r>
+              <a:rPr lang="de-DE" sz="2000" i="1" dirty="0" err="1" smtClean="0">
                 <a:latin typeface="Times New Roman" pitchFamily="18" charset="0"/>
                 <a:cs typeface="Times New Roman" pitchFamily="18" charset="0"/>
-              </a:endParaRPr>
-            </a:p>
-          </p:txBody>
-        </p:sp>
-        <p:cxnSp>
-          <p:nvCxnSpPr>
-            <p:cNvPr id="171" name="Gerade Verbindung 170"/>
-            <p:cNvCxnSpPr/>
-            <p:nvPr/>
-          </p:nvCxnSpPr>
-          <p:spPr>
-            <a:xfrm>
-              <a:off x="1939443" y="5116948"/>
-              <a:ext cx="0" cy="576064"/>
-            </a:xfrm>
-            <a:prstGeom prst="line">
-              <a:avLst/>
-            </a:prstGeom>
-            <a:ln w="19050">
-              <a:solidFill>
-                <a:schemeClr val="tx1"/>
-              </a:solidFill>
-              <a:prstDash val="sysDash"/>
-            </a:ln>
-          </p:spPr>
-          <p:style>
-            <a:lnRef idx="1">
-              <a:schemeClr val="accent1"/>
-            </a:lnRef>
-            <a:fillRef idx="0">
-              <a:schemeClr val="accent1"/>
-            </a:fillRef>
-            <a:effectRef idx="0">
-              <a:schemeClr val="accent1"/>
-            </a:effectRef>
-            <a:fontRef idx="minor">
-              <a:schemeClr val="tx1"/>
-            </a:fontRef>
-          </p:style>
-        </p:cxnSp>
-        <p:sp>
-          <p:nvSpPr>
-            <p:cNvPr id="172" name="Ellipse 171"/>
-            <p:cNvSpPr/>
-            <p:nvPr/>
-          </p:nvSpPr>
-          <p:spPr>
-            <a:xfrm>
-              <a:off x="1902375" y="5682784"/>
-              <a:ext cx="72008" cy="72008"/>
-            </a:xfrm>
-            <a:prstGeom prst="ellipse">
-              <a:avLst/>
-            </a:prstGeom>
-            <a:noFill/>
-            <a:ln w="19050">
-              <a:solidFill>
-                <a:schemeClr val="tx1"/>
-              </a:solidFill>
-              <a:prstDash val="solid"/>
-            </a:ln>
-          </p:spPr>
-          <p:style>
-            <a:lnRef idx="2">
-              <a:schemeClr val="accent1">
-                <a:shade val="50000"/>
-              </a:schemeClr>
-            </a:lnRef>
-            <a:fillRef idx="1">
-              <a:schemeClr val="accent1"/>
-            </a:fillRef>
-            <a:effectRef idx="0">
-              <a:schemeClr val="accent1"/>
-            </a:effectRef>
-            <a:fontRef idx="minor">
-              <a:schemeClr val="lt1"/>
-            </a:fontRef>
-          </p:style>
-          <p:txBody>
-            <a:bodyPr rtlCol="0" anchor="ctr"/>
-            <a:lstStyle/>
-            <a:p>
-              <a:pPr algn="ctr"/>
-              <a:endParaRPr lang="de-DE"/>
-            </a:p>
-          </p:txBody>
-        </p:sp>
-        <p:cxnSp>
-          <p:nvCxnSpPr>
-            <p:cNvPr id="173" name="Gerade Verbindung mit Pfeil 172"/>
-            <p:cNvCxnSpPr/>
-            <p:nvPr/>
-          </p:nvCxnSpPr>
-          <p:spPr>
-            <a:xfrm rot="10800000" flipH="1">
-              <a:off x="1254304" y="5717717"/>
-              <a:ext cx="648072" cy="1"/>
-            </a:xfrm>
-            <a:prstGeom prst="straightConnector1">
-              <a:avLst/>
-            </a:prstGeom>
-            <a:ln>
-              <a:solidFill>
-                <a:schemeClr val="tx1"/>
-              </a:solidFill>
-              <a:headEnd type="triangle" w="med" len="med"/>
-              <a:tailEnd type="none" w="med" len="med"/>
-            </a:ln>
-          </p:spPr>
-          <p:style>
-            <a:lnRef idx="1">
-              <a:schemeClr val="accent1"/>
-            </a:lnRef>
-            <a:fillRef idx="0">
-              <a:schemeClr val="accent1"/>
-            </a:fillRef>
-            <a:effectRef idx="0">
-              <a:schemeClr val="accent1"/>
-            </a:effectRef>
-            <a:fontRef idx="minor">
-              <a:schemeClr val="tx1"/>
-            </a:fontRef>
-          </p:style>
-        </p:cxnSp>
-      </p:grpSp>
+              </a:rPr>
+              <a:t>V</a:t>
+            </a:r>
+            <a:r>
+              <a:rPr lang="de-DE" sz="2000" i="1" baseline="-25000" dirty="0" err="1" smtClean="0">
+                <a:latin typeface="Times New Roman" pitchFamily="18" charset="0"/>
+                <a:cs typeface="Times New Roman" pitchFamily="18" charset="0"/>
+              </a:rPr>
+              <a:t>qr</a:t>
+            </a:r>
+            <a:endParaRPr lang="de-DE" sz="2000" i="1" baseline="-25000" dirty="0">
+              <a:latin typeface="Times New Roman" pitchFamily="18" charset="0"/>
+              <a:cs typeface="Times New Roman" pitchFamily="18" charset="0"/>
+            </a:endParaRPr>
+          </a:p>
+        </p:txBody>
+      </p:sp>
+      <p:cxnSp>
+        <p:nvCxnSpPr>
+          <p:cNvPr id="173" name="Gerade Verbindung mit Pfeil 172"/>
+          <p:cNvCxnSpPr/>
+          <p:nvPr/>
+        </p:nvCxnSpPr>
+        <p:spPr>
+          <a:xfrm flipH="1">
+            <a:off x="4499992" y="4581128"/>
+            <a:ext cx="648072" cy="1"/>
+          </a:xfrm>
+          <a:prstGeom prst="straightConnector1">
+            <a:avLst/>
+          </a:prstGeom>
+          <a:ln>
+            <a:solidFill>
+              <a:schemeClr val="tx1"/>
+            </a:solidFill>
+            <a:headEnd type="triangle" w="med" len="med"/>
+            <a:tailEnd type="none" w="med" len="med"/>
+          </a:ln>
+        </p:spPr>
+        <p:style>
+          <a:lnRef idx="1">
+            <a:schemeClr val="accent1"/>
+          </a:lnRef>
+          <a:fillRef idx="0">
+            <a:schemeClr val="accent1"/>
+          </a:fillRef>
+          <a:effectRef idx="0">
+            <a:schemeClr val="accent1"/>
+          </a:effectRef>
+          <a:fontRef idx="minor">
+            <a:schemeClr val="tx1"/>
+          </a:fontRef>
+        </p:style>
+      </p:cxnSp>
     </p:spTree>
   </p:cSld>
   <p:clrMapOvr>
